--- a/PPT_and_report/答辩.pptx
+++ b/PPT_and_report/答辩.pptx
@@ -5,10 +5,10 @@
     <p:sldMasterId id="2147483802" r:id="rId1"/>
   </p:sldMasterIdLst>
   <p:notesMasterIdLst>
-    <p:notesMasterId r:id="rId13"/>
+    <p:notesMasterId r:id="rId16"/>
   </p:notesMasterIdLst>
   <p:handoutMasterIdLst>
-    <p:handoutMasterId r:id="rId14"/>
+    <p:handoutMasterId r:id="rId17"/>
   </p:handoutMasterIdLst>
   <p:sldIdLst>
     <p:sldId id="256" r:id="rId2"/>
@@ -18,10 +18,13 @@
     <p:sldId id="262" r:id="rId6"/>
     <p:sldId id="285" r:id="rId7"/>
     <p:sldId id="286" r:id="rId8"/>
-    <p:sldId id="287" r:id="rId9"/>
-    <p:sldId id="288" r:id="rId10"/>
-    <p:sldId id="289" r:id="rId11"/>
-    <p:sldId id="282" r:id="rId12"/>
+    <p:sldId id="288" r:id="rId9"/>
+    <p:sldId id="291" r:id="rId10"/>
+    <p:sldId id="292" r:id="rId11"/>
+    <p:sldId id="287" r:id="rId12"/>
+    <p:sldId id="290" r:id="rId13"/>
+    <p:sldId id="289" r:id="rId14"/>
+    <p:sldId id="282" r:id="rId15"/>
   </p:sldIdLst>
   <p:sldSz cx="9144000" cy="6858000" type="screen4x3"/>
   <p:notesSz cx="6858000" cy="9144000"/>
@@ -122,10 +125,10 @@
   </p:defaultTextStyle>
   <p:extLst>
     <p:ext uri="{EFAFB233-063F-42B5-8137-9DF3F51BA10A}">
-      <p15:sldGuideLst xmlns:p15="http://schemas.microsoft.com/office/powerpoint/2012/main"/>
+      <p15:sldGuideLst xmlns:p15="http://schemas.microsoft.com/office/powerpoint/2012/main" xmlns=""/>
     </p:ext>
     <p:ext uri="{2D200454-40CA-4A62-9FC3-DE9A4176ACB9}">
-      <p15:notesGuideLst xmlns:p15="http://schemas.microsoft.com/office/powerpoint/2012/main"/>
+      <p15:notesGuideLst xmlns:p15="http://schemas.microsoft.com/office/powerpoint/2012/main" xmlns=""/>
     </p:ext>
   </p:extLst>
 </p:presentation>
@@ -213,7 +216,8 @@
           <a:p>
             <a:fld id="{202C1FBA-CF23-45CA-A289-03E32D160964}" type="datetimeFigureOut">
               <a:rPr lang="zh-CN" altLang="en-US" smtClean="0"/>
-              <a:t>2019/12/28</a:t>
+              <a:pPr/>
+              <a:t>2019/12/28 Saturday</a:t>
             </a:fld>
             <a:endParaRPr lang="zh-CN" altLang="en-US"/>
           </a:p>
@@ -279,6 +283,7 @@
           <a:p>
             <a:fld id="{07F2B0C5-C56D-47E9-BCFE-D990A940F17B}" type="slidenum">
               <a:rPr lang="zh-CN" altLang="en-US" smtClean="0"/>
+              <a:pPr/>
               <a:t>‹#›</a:t>
             </a:fld>
             <a:endParaRPr lang="zh-CN" altLang="en-US"/>
@@ -288,7 +293,7 @@
     </p:spTree>
     <p:extLst>
       <p:ext uri="{BB962C8B-B14F-4D97-AF65-F5344CB8AC3E}">
-        <p14:creationId xmlns:p14="http://schemas.microsoft.com/office/powerpoint/2010/main" val="2713700420"/>
+        <p14:creationId xmlns:p14="http://schemas.microsoft.com/office/powerpoint/2010/main" xmlns="" val="2713700420"/>
       </p:ext>
     </p:extLst>
   </p:cSld>
@@ -378,7 +383,8 @@
           <a:p>
             <a:fld id="{6D966BD8-0FC1-456F-BDC6-7D0CA8E36566}" type="datetimeFigureOut">
               <a:rPr lang="zh-CN" altLang="en-US" smtClean="0"/>
-              <a:t>2019/12/28</a:t>
+              <a:pPr/>
+              <a:t>2019/12/28 Saturday</a:t>
             </a:fld>
             <a:endParaRPr lang="zh-CN" altLang="en-US"/>
           </a:p>
@@ -536,6 +542,7 @@
           <a:p>
             <a:fld id="{E3CFC841-E2E1-4802-8701-94EA307E94B0}" type="slidenum">
               <a:rPr lang="zh-CN" altLang="en-US" smtClean="0"/>
+              <a:pPr/>
               <a:t>‹#›</a:t>
             </a:fld>
             <a:endParaRPr lang="zh-CN" altLang="en-US"/>
@@ -545,7 +552,7 @@
     </p:spTree>
     <p:extLst>
       <p:ext uri="{BB962C8B-B14F-4D97-AF65-F5344CB8AC3E}">
-        <p14:creationId xmlns:p14="http://schemas.microsoft.com/office/powerpoint/2010/main" val="2014598677"/>
+        <p14:creationId xmlns:p14="http://schemas.microsoft.com/office/powerpoint/2010/main" xmlns="" val="2014598677"/>
       </p:ext>
     </p:extLst>
   </p:cSld>
@@ -682,7 +689,7 @@
           <a:blip r:embed="rId2" cstate="print">
             <a:extLst>
               <a:ext uri="{28A0092B-C50C-407E-A947-70E740481C1C}">
-                <a14:useLocalDpi xmlns:a14="http://schemas.microsoft.com/office/drawing/2010/main" val="0"/>
+                <a14:useLocalDpi xmlns:a14="http://schemas.microsoft.com/office/drawing/2010/main" xmlns="" val="0"/>
               </a:ext>
             </a:extLst>
           </a:blip>
@@ -800,10 +807,10 @@
           <p:nvPr/>
         </p:nvPicPr>
         <p:blipFill rotWithShape="1">
-          <a:blip r:embed="rId3">
+          <a:blip r:embed="rId3" cstate="print">
             <a:extLst>
               <a:ext uri="{28A0092B-C50C-407E-A947-70E740481C1C}">
-                <a14:useLocalDpi xmlns:a14="http://schemas.microsoft.com/office/drawing/2010/main" val="0"/>
+                <a14:useLocalDpi xmlns:a14="http://schemas.microsoft.com/office/drawing/2010/main" xmlns="" val="0"/>
               </a:ext>
             </a:extLst>
           </a:blip>
@@ -861,7 +868,7 @@
     </p:spTree>
     <p:extLst>
       <p:ext uri="{BB962C8B-B14F-4D97-AF65-F5344CB8AC3E}">
-        <p14:creationId xmlns:p14="http://schemas.microsoft.com/office/powerpoint/2010/main" val="1380489643"/>
+        <p14:creationId xmlns:p14="http://schemas.microsoft.com/office/powerpoint/2010/main" xmlns="" val="1380489643"/>
       </p:ext>
     </p:extLst>
   </p:cSld>
@@ -870,7 +877,7 @@
   </p:clrMapOvr>
   <p:extLst>
     <p:ext uri="{DCECCB84-F9BA-43D5-87BE-67443E8EF086}">
-      <p15:sldGuideLst xmlns:p15="http://schemas.microsoft.com/office/powerpoint/2012/main">
+      <p15:sldGuideLst xmlns:p15="http://schemas.microsoft.com/office/powerpoint/2012/main" xmlns="">
         <p15:guide id="2" pos="2880">
           <p15:clr>
             <a:srgbClr val="FBAE40"/>
@@ -918,7 +925,7 @@
           <p:nvPr/>
         </p:nvPicPr>
         <p:blipFill>
-          <a:blip r:embed="rId2"/>
+          <a:blip r:embed="rId2" cstate="print"/>
           <a:stretch>
             <a:fillRect/>
           </a:stretch>
@@ -991,7 +998,7 @@
           <a:blip r:embed="rId3" cstate="print">
             <a:extLst>
               <a:ext uri="{BEBA8EAE-BF5A-486C-A8C5-ECC9F3942E4B}">
-                <a14:imgProps xmlns:a14="http://schemas.microsoft.com/office/drawing/2010/main">
+                <a14:imgProps xmlns:a14="http://schemas.microsoft.com/office/drawing/2010/main" xmlns="">
                   <a14:imgLayer r:embed="rId4">
                     <a14:imgEffect>
                       <a14:brightnessContrast bright="100000"/>
@@ -1000,7 +1007,7 @@
                 </a14:imgProps>
               </a:ext>
               <a:ext uri="{28A0092B-C50C-407E-A947-70E740481C1C}">
-                <a14:useLocalDpi xmlns:a14="http://schemas.microsoft.com/office/drawing/2010/main" val="0"/>
+                <a14:useLocalDpi xmlns:a14="http://schemas.microsoft.com/office/drawing/2010/main" xmlns="" val="0"/>
               </a:ext>
             </a:extLst>
           </a:blip>
@@ -1157,7 +1164,7 @@
           <p:nvPr userDrawn="1"/>
         </p:nvPicPr>
         <p:blipFill>
-          <a:blip r:embed="rId2"/>
+          <a:blip r:embed="rId2" cstate="print"/>
           <a:stretch>
             <a:fillRect/>
           </a:stretch>
@@ -1230,7 +1237,7 @@
           <a:blip r:embed="rId3" cstate="print">
             <a:extLst>
               <a:ext uri="{BEBA8EAE-BF5A-486C-A8C5-ECC9F3942E4B}">
-                <a14:imgProps xmlns:a14="http://schemas.microsoft.com/office/drawing/2010/main">
+                <a14:imgProps xmlns:a14="http://schemas.microsoft.com/office/drawing/2010/main" xmlns="">
                   <a14:imgLayer r:embed="rId4">
                     <a14:imgEffect>
                       <a14:brightnessContrast bright="100000"/>
@@ -1239,7 +1246,7 @@
                 </a14:imgProps>
               </a:ext>
               <a:ext uri="{28A0092B-C50C-407E-A947-70E740481C1C}">
-                <a14:useLocalDpi xmlns:a14="http://schemas.microsoft.com/office/drawing/2010/main" val="0"/>
+                <a14:useLocalDpi xmlns:a14="http://schemas.microsoft.com/office/drawing/2010/main" xmlns="" val="0"/>
               </a:ext>
             </a:extLst>
           </a:blip>
@@ -1303,7 +1310,7 @@
     </p:spTree>
     <p:extLst>
       <p:ext uri="{BB962C8B-B14F-4D97-AF65-F5344CB8AC3E}">
-        <p14:creationId xmlns:p14="http://schemas.microsoft.com/office/powerpoint/2010/main" val="2942350456"/>
+        <p14:creationId xmlns:p14="http://schemas.microsoft.com/office/powerpoint/2010/main" xmlns="" val="2942350456"/>
       </p:ext>
     </p:extLst>
   </p:cSld>
@@ -1552,7 +1559,7 @@
     </p:spTree>
     <p:extLst>
       <p:ext uri="{BB962C8B-B14F-4D97-AF65-F5344CB8AC3E}">
-        <p14:creationId xmlns:p14="http://schemas.microsoft.com/office/powerpoint/2010/main" val="1942321589"/>
+        <p14:creationId xmlns:p14="http://schemas.microsoft.com/office/powerpoint/2010/main" xmlns="" val="1942321589"/>
       </p:ext>
     </p:extLst>
   </p:cSld>
@@ -1561,7 +1568,7 @@
   </p:clrMapOvr>
   <p:extLst>
     <p:ext uri="{DCECCB84-F9BA-43D5-87BE-67443E8EF086}">
-      <p15:sldGuideLst xmlns:p15="http://schemas.microsoft.com/office/powerpoint/2012/main">
+      <p15:sldGuideLst xmlns:p15="http://schemas.microsoft.com/office/powerpoint/2012/main" xmlns="">
         <p15:guide id="1" pos="2880">
           <p15:clr>
             <a:srgbClr val="FBAE40"/>
@@ -1609,7 +1616,7 @@
           <p:nvPr/>
         </p:nvPicPr>
         <p:blipFill>
-          <a:blip r:embed="rId2"/>
+          <a:blip r:embed="rId2" cstate="print"/>
           <a:stretch>
             <a:fillRect/>
           </a:stretch>
@@ -1940,7 +1947,7 @@
           <p:nvPr userDrawn="1"/>
         </p:nvPicPr>
         <p:blipFill>
-          <a:blip r:embed="rId2"/>
+          <a:blip r:embed="rId2" cstate="print"/>
           <a:stretch>
             <a:fillRect/>
           </a:stretch>
@@ -1958,7 +1965,7 @@
     </p:spTree>
     <p:extLst>
       <p:ext uri="{BB962C8B-B14F-4D97-AF65-F5344CB8AC3E}">
-        <p14:creationId xmlns:p14="http://schemas.microsoft.com/office/powerpoint/2010/main" val="4007102441"/>
+        <p14:creationId xmlns:p14="http://schemas.microsoft.com/office/powerpoint/2010/main" xmlns="" val="4007102441"/>
       </p:ext>
     </p:extLst>
   </p:cSld>
@@ -1967,7 +1974,7 @@
   </p:clrMapOvr>
   <p:extLst>
     <p:ext uri="{DCECCB84-F9BA-43D5-87BE-67443E8EF086}">
-      <p15:sldGuideLst xmlns:p15="http://schemas.microsoft.com/office/powerpoint/2012/main">
+      <p15:sldGuideLst xmlns:p15="http://schemas.microsoft.com/office/powerpoint/2012/main" xmlns="">
         <p15:guide id="1" pos="2880">
           <p15:clr>
             <a:srgbClr val="FBAE40"/>
@@ -2329,7 +2336,7 @@
           <p:nvPr/>
         </p:nvPicPr>
         <p:blipFill>
-          <a:blip r:embed="rId2"/>
+          <a:blip r:embed="rId2" cstate="print"/>
           <a:stretch>
             <a:fillRect/>
           </a:stretch>
@@ -2402,7 +2409,7 @@
           <a:blip r:embed="rId3" cstate="print">
             <a:extLst>
               <a:ext uri="{BEBA8EAE-BF5A-486C-A8C5-ECC9F3942E4B}">
-                <a14:imgProps xmlns:a14="http://schemas.microsoft.com/office/drawing/2010/main">
+                <a14:imgProps xmlns:a14="http://schemas.microsoft.com/office/drawing/2010/main" xmlns="">
                   <a14:imgLayer r:embed="rId4">
                     <a14:imgEffect>
                       <a14:brightnessContrast bright="100000"/>
@@ -2411,7 +2418,7 @@
                 </a14:imgProps>
               </a:ext>
               <a:ext uri="{28A0092B-C50C-407E-A947-70E740481C1C}">
-                <a14:useLocalDpi xmlns:a14="http://schemas.microsoft.com/office/drawing/2010/main" val="0"/>
+                <a14:useLocalDpi xmlns:a14="http://schemas.microsoft.com/office/drawing/2010/main" xmlns="" val="0"/>
               </a:ext>
             </a:extLst>
           </a:blip>
@@ -2481,7 +2488,7 @@
           <p:nvPr userDrawn="1"/>
         </p:nvPicPr>
         <p:blipFill>
-          <a:blip r:embed="rId2"/>
+          <a:blip r:embed="rId2" cstate="print"/>
           <a:stretch>
             <a:fillRect/>
           </a:stretch>
@@ -2554,7 +2561,7 @@
           <a:blip r:embed="rId3" cstate="print">
             <a:extLst>
               <a:ext uri="{BEBA8EAE-BF5A-486C-A8C5-ECC9F3942E4B}">
-                <a14:imgProps xmlns:a14="http://schemas.microsoft.com/office/drawing/2010/main">
+                <a14:imgProps xmlns:a14="http://schemas.microsoft.com/office/drawing/2010/main" xmlns="">
                   <a14:imgLayer r:embed="rId4">
                     <a14:imgEffect>
                       <a14:brightnessContrast bright="100000"/>
@@ -2563,7 +2570,7 @@
                 </a14:imgProps>
               </a:ext>
               <a:ext uri="{28A0092B-C50C-407E-A947-70E740481C1C}">
-                <a14:useLocalDpi xmlns:a14="http://schemas.microsoft.com/office/drawing/2010/main" val="0"/>
+                <a14:useLocalDpi xmlns:a14="http://schemas.microsoft.com/office/drawing/2010/main" xmlns="" val="0"/>
               </a:ext>
             </a:extLst>
           </a:blip>
@@ -2627,7 +2634,7 @@
     </p:spTree>
     <p:extLst>
       <p:ext uri="{BB962C8B-B14F-4D97-AF65-F5344CB8AC3E}">
-        <p14:creationId xmlns:p14="http://schemas.microsoft.com/office/powerpoint/2010/main" val="3019475642"/>
+        <p14:creationId xmlns:p14="http://schemas.microsoft.com/office/powerpoint/2010/main" xmlns="" val="3019475642"/>
       </p:ext>
     </p:extLst>
   </p:cSld>
@@ -2636,7 +2643,7 @@
   </p:clrMapOvr>
   <p:extLst>
     <p:ext uri="{DCECCB84-F9BA-43D5-87BE-67443E8EF086}">
-      <p15:sldGuideLst xmlns:p15="http://schemas.microsoft.com/office/powerpoint/2012/main">
+      <p15:sldGuideLst xmlns:p15="http://schemas.microsoft.com/office/powerpoint/2012/main" xmlns="">
         <p15:guide id="1" pos="2880">
           <p15:clr>
             <a:srgbClr val="FBAE40"/>
@@ -2684,7 +2691,7 @@
           <p:nvPr/>
         </p:nvPicPr>
         <p:blipFill>
-          <a:blip r:embed="rId2"/>
+          <a:blip r:embed="rId2" cstate="print"/>
           <a:stretch>
             <a:fillRect/>
           </a:stretch>
@@ -2757,7 +2764,7 @@
           <a:blip r:embed="rId3" cstate="print">
             <a:extLst>
               <a:ext uri="{BEBA8EAE-BF5A-486C-A8C5-ECC9F3942E4B}">
-                <a14:imgProps xmlns:a14="http://schemas.microsoft.com/office/drawing/2010/main">
+                <a14:imgProps xmlns:a14="http://schemas.microsoft.com/office/drawing/2010/main" xmlns="">
                   <a14:imgLayer r:embed="rId4">
                     <a14:imgEffect>
                       <a14:brightnessContrast bright="100000"/>
@@ -2766,7 +2773,7 @@
                 </a14:imgProps>
               </a:ext>
               <a:ext uri="{28A0092B-C50C-407E-A947-70E740481C1C}">
-                <a14:useLocalDpi xmlns:a14="http://schemas.microsoft.com/office/drawing/2010/main" val="0"/>
+                <a14:useLocalDpi xmlns:a14="http://schemas.microsoft.com/office/drawing/2010/main" xmlns="" val="0"/>
               </a:ext>
             </a:extLst>
           </a:blip>
@@ -3222,7 +3229,7 @@
           <p:nvPr userDrawn="1"/>
         </p:nvPicPr>
         <p:blipFill>
-          <a:blip r:embed="rId2"/>
+          <a:blip r:embed="rId2" cstate="print"/>
           <a:stretch>
             <a:fillRect/>
           </a:stretch>
@@ -3295,7 +3302,7 @@
           <a:blip r:embed="rId3" cstate="print">
             <a:extLst>
               <a:ext uri="{BEBA8EAE-BF5A-486C-A8C5-ECC9F3942E4B}">
-                <a14:imgProps xmlns:a14="http://schemas.microsoft.com/office/drawing/2010/main">
+                <a14:imgProps xmlns:a14="http://schemas.microsoft.com/office/drawing/2010/main" xmlns="">
                   <a14:imgLayer r:embed="rId4">
                     <a14:imgEffect>
                       <a14:brightnessContrast bright="100000"/>
@@ -3304,7 +3311,7 @@
                 </a14:imgProps>
               </a:ext>
               <a:ext uri="{28A0092B-C50C-407E-A947-70E740481C1C}">
-                <a14:useLocalDpi xmlns:a14="http://schemas.microsoft.com/office/drawing/2010/main" val="0"/>
+                <a14:useLocalDpi xmlns:a14="http://schemas.microsoft.com/office/drawing/2010/main" xmlns="" val="0"/>
               </a:ext>
             </a:extLst>
           </a:blip>
@@ -3368,7 +3375,7 @@
     </p:spTree>
     <p:extLst>
       <p:ext uri="{BB962C8B-B14F-4D97-AF65-F5344CB8AC3E}">
-        <p14:creationId xmlns:p14="http://schemas.microsoft.com/office/powerpoint/2010/main" val="651306052"/>
+        <p14:creationId xmlns:p14="http://schemas.microsoft.com/office/powerpoint/2010/main" xmlns="" val="651306052"/>
       </p:ext>
     </p:extLst>
   </p:cSld>
@@ -3377,7 +3384,7 @@
   </p:clrMapOvr>
   <p:extLst>
     <p:ext uri="{DCECCB84-F9BA-43D5-87BE-67443E8EF086}">
-      <p15:sldGuideLst xmlns:p15="http://schemas.microsoft.com/office/powerpoint/2012/main">
+      <p15:sldGuideLst xmlns:p15="http://schemas.microsoft.com/office/powerpoint/2012/main" xmlns="">
         <p15:guide id="1" pos="2880">
           <p15:clr>
             <a:srgbClr val="FBAE40"/>
@@ -3451,7 +3458,7 @@
           <a:blip r:embed="rId2" cstate="print">
             <a:extLst>
               <a:ext uri="{28A0092B-C50C-407E-A947-70E740481C1C}">
-                <a14:useLocalDpi xmlns:a14="http://schemas.microsoft.com/office/drawing/2010/main" val="0"/>
+                <a14:useLocalDpi xmlns:a14="http://schemas.microsoft.com/office/drawing/2010/main" xmlns="" val="0"/>
               </a:ext>
             </a:extLst>
           </a:blip>
@@ -3617,10 +3624,10 @@
           <p:nvPr/>
         </p:nvPicPr>
         <p:blipFill rotWithShape="1">
-          <a:blip r:embed="rId3">
+          <a:blip r:embed="rId3" cstate="print">
             <a:extLst>
               <a:ext uri="{28A0092B-C50C-407E-A947-70E740481C1C}">
-                <a14:useLocalDpi xmlns:a14="http://schemas.microsoft.com/office/drawing/2010/main" val="0"/>
+                <a14:useLocalDpi xmlns:a14="http://schemas.microsoft.com/office/drawing/2010/main" xmlns="" val="0"/>
               </a:ext>
             </a:extLst>
           </a:blip>
@@ -3684,10 +3691,10 @@
           <p:nvPr userDrawn="1"/>
         </p:nvPicPr>
         <p:blipFill rotWithShape="1">
-          <a:blip r:embed="rId3">
+          <a:blip r:embed="rId3" cstate="print">
             <a:extLst>
               <a:ext uri="{28A0092B-C50C-407E-A947-70E740481C1C}">
-                <a14:useLocalDpi xmlns:a14="http://schemas.microsoft.com/office/drawing/2010/main" val="0"/>
+                <a14:useLocalDpi xmlns:a14="http://schemas.microsoft.com/office/drawing/2010/main" xmlns="" val="0"/>
               </a:ext>
             </a:extLst>
           </a:blip>
@@ -3745,7 +3752,7 @@
     </p:spTree>
     <p:extLst>
       <p:ext uri="{BB962C8B-B14F-4D97-AF65-F5344CB8AC3E}">
-        <p14:creationId xmlns:p14="http://schemas.microsoft.com/office/powerpoint/2010/main" val="2252060996"/>
+        <p14:creationId xmlns:p14="http://schemas.microsoft.com/office/powerpoint/2010/main" xmlns="" val="2252060996"/>
       </p:ext>
     </p:extLst>
   </p:cSld>
@@ -3754,7 +3761,7 @@
   </p:clrMapOvr>
   <p:extLst>
     <p:ext uri="{DCECCB84-F9BA-43D5-87BE-67443E8EF086}">
-      <p15:sldGuideLst xmlns:p15="http://schemas.microsoft.com/office/powerpoint/2012/main">
+      <p15:sldGuideLst xmlns:p15="http://schemas.microsoft.com/office/powerpoint/2012/main" xmlns="">
         <p15:guide id="2" pos="295">
           <p15:clr>
             <a:srgbClr val="FBAE40"/>
@@ -3810,10 +3817,10 @@
           <p:nvPr/>
         </p:nvPicPr>
         <p:blipFill>
-          <a:blip r:embed="rId2">
+          <a:blip r:embed="rId2" cstate="print">
             <a:extLst>
               <a:ext uri="{28A0092B-C50C-407E-A947-70E740481C1C}">
-                <a14:useLocalDpi xmlns:a14="http://schemas.microsoft.com/office/drawing/2010/main" val="0"/>
+                <a14:useLocalDpi xmlns:a14="http://schemas.microsoft.com/office/drawing/2010/main" xmlns="" val="0"/>
               </a:ext>
             </a:extLst>
           </a:blip>
@@ -3843,7 +3850,7 @@
           <a:blip r:embed="rId3" cstate="print">
             <a:extLst>
               <a:ext uri="{28A0092B-C50C-407E-A947-70E740481C1C}">
-                <a14:useLocalDpi xmlns:a14="http://schemas.microsoft.com/office/drawing/2010/main" val="0"/>
+                <a14:useLocalDpi xmlns:a14="http://schemas.microsoft.com/office/drawing/2010/main" xmlns="" val="0"/>
               </a:ext>
             </a:extLst>
           </a:blip>
@@ -3907,10 +3914,10 @@
           <p:nvPr userDrawn="1"/>
         </p:nvPicPr>
         <p:blipFill>
-          <a:blip r:embed="rId2">
+          <a:blip r:embed="rId2" cstate="print">
             <a:extLst>
               <a:ext uri="{28A0092B-C50C-407E-A947-70E740481C1C}">
-                <a14:useLocalDpi xmlns:a14="http://schemas.microsoft.com/office/drawing/2010/main" val="0"/>
+                <a14:useLocalDpi xmlns:a14="http://schemas.microsoft.com/office/drawing/2010/main" xmlns="" val="0"/>
               </a:ext>
             </a:extLst>
           </a:blip>
@@ -3931,7 +3938,7 @@
     </p:spTree>
     <p:extLst>
       <p:ext uri="{BB962C8B-B14F-4D97-AF65-F5344CB8AC3E}">
-        <p14:creationId xmlns:p14="http://schemas.microsoft.com/office/powerpoint/2010/main" val="1380372780"/>
+        <p14:creationId xmlns:p14="http://schemas.microsoft.com/office/powerpoint/2010/main" xmlns="" val="1380372780"/>
       </p:ext>
     </p:extLst>
   </p:cSld>
@@ -4090,7 +4097,7 @@
     </p:spTree>
     <p:extLst>
       <p:ext uri="{BB962C8B-B14F-4D97-AF65-F5344CB8AC3E}">
-        <p14:creationId xmlns:p14="http://schemas.microsoft.com/office/powerpoint/2010/main" val="49050177"/>
+        <p14:creationId xmlns:p14="http://schemas.microsoft.com/office/powerpoint/2010/main" xmlns="" val="49050177"/>
       </p:ext>
     </p:extLst>
   </p:cSld>
@@ -4099,7 +4106,7 @@
   </p:clrMapOvr>
   <p:extLst>
     <p:ext uri="{DCECCB84-F9BA-43D5-87BE-67443E8EF086}">
-      <p15:sldGuideLst xmlns:p15="http://schemas.microsoft.com/office/powerpoint/2012/main"/>
+      <p15:sldGuideLst xmlns:p15="http://schemas.microsoft.com/office/powerpoint/2012/main" xmlns=""/>
     </p:ext>
   </p:extLst>
 </p:sldLayout>
@@ -4342,7 +4349,7 @@
     </p:spTree>
     <p:extLst>
       <p:ext uri="{BB962C8B-B14F-4D97-AF65-F5344CB8AC3E}">
-        <p14:creationId xmlns:p14="http://schemas.microsoft.com/office/powerpoint/2010/main" val="659745371"/>
+        <p14:creationId xmlns:p14="http://schemas.microsoft.com/office/powerpoint/2010/main" xmlns="" val="659745371"/>
       </p:ext>
     </p:extLst>
   </p:cSld>
@@ -4351,7 +4358,7 @@
   </p:clrMapOvr>
   <p:extLst>
     <p:ext uri="{DCECCB84-F9BA-43D5-87BE-67443E8EF086}">
-      <p15:sldGuideLst xmlns:p15="http://schemas.microsoft.com/office/powerpoint/2012/main"/>
+      <p15:sldGuideLst xmlns:p15="http://schemas.microsoft.com/office/powerpoint/2012/main" xmlns=""/>
     </p:ext>
   </p:extLst>
 </p:sldLayout>
@@ -4604,7 +4611,7 @@
           <a:blip r:embed="rId2" cstate="print">
             <a:extLst>
               <a:ext uri="{BEBA8EAE-BF5A-486C-A8C5-ECC9F3942E4B}">
-                <a14:imgProps xmlns:a14="http://schemas.microsoft.com/office/drawing/2010/main">
+                <a14:imgProps xmlns:a14="http://schemas.microsoft.com/office/drawing/2010/main" xmlns="">
                   <a14:imgLayer r:embed="rId3">
                     <a14:imgEffect>
                       <a14:brightnessContrast bright="100000"/>
@@ -4613,7 +4620,7 @@
                 </a14:imgProps>
               </a:ext>
               <a:ext uri="{28A0092B-C50C-407E-A947-70E740481C1C}">
-                <a14:useLocalDpi xmlns:a14="http://schemas.microsoft.com/office/drawing/2010/main" val="0"/>
+                <a14:useLocalDpi xmlns:a14="http://schemas.microsoft.com/office/drawing/2010/main" xmlns="" val="0"/>
               </a:ext>
             </a:extLst>
           </a:blip>
@@ -4732,7 +4739,7 @@
           <a:blip r:embed="rId2" cstate="print">
             <a:extLst>
               <a:ext uri="{BEBA8EAE-BF5A-486C-A8C5-ECC9F3942E4B}">
-                <a14:imgProps xmlns:a14="http://schemas.microsoft.com/office/drawing/2010/main">
+                <a14:imgProps xmlns:a14="http://schemas.microsoft.com/office/drawing/2010/main" xmlns="">
                   <a14:imgLayer r:embed="rId3">
                     <a14:imgEffect>
                       <a14:brightnessContrast bright="100000"/>
@@ -4741,7 +4748,7 @@
                 </a14:imgProps>
               </a:ext>
               <a:ext uri="{28A0092B-C50C-407E-A947-70E740481C1C}">
-                <a14:useLocalDpi xmlns:a14="http://schemas.microsoft.com/office/drawing/2010/main" val="0"/>
+                <a14:useLocalDpi xmlns:a14="http://schemas.microsoft.com/office/drawing/2010/main" xmlns="" val="0"/>
               </a:ext>
             </a:extLst>
           </a:blip>
@@ -4762,7 +4769,7 @@
     </p:spTree>
     <p:extLst>
       <p:ext uri="{BB962C8B-B14F-4D97-AF65-F5344CB8AC3E}">
-        <p14:creationId xmlns:p14="http://schemas.microsoft.com/office/powerpoint/2010/main" val="52728377"/>
+        <p14:creationId xmlns:p14="http://schemas.microsoft.com/office/powerpoint/2010/main" xmlns="" val="52728377"/>
       </p:ext>
     </p:extLst>
   </p:cSld>
@@ -4771,7 +4778,7 @@
   </p:clrMapOvr>
   <p:extLst>
     <p:ext uri="{DCECCB84-F9BA-43D5-87BE-67443E8EF086}">
-      <p15:sldGuideLst xmlns:p15="http://schemas.microsoft.com/office/powerpoint/2012/main"/>
+      <p15:sldGuideLst xmlns:p15="http://schemas.microsoft.com/office/powerpoint/2012/main" xmlns=""/>
     </p:ext>
   </p:extLst>
 </p:sldLayout>
@@ -5111,7 +5118,7 @@
           <a:blip r:embed="rId2" cstate="print">
             <a:extLst>
               <a:ext uri="{BEBA8EAE-BF5A-486C-A8C5-ECC9F3942E4B}">
-                <a14:imgProps xmlns:a14="http://schemas.microsoft.com/office/drawing/2010/main">
+                <a14:imgProps xmlns:a14="http://schemas.microsoft.com/office/drawing/2010/main" xmlns="">
                   <a14:imgLayer r:embed="rId3">
                     <a14:imgEffect>
                       <a14:brightnessContrast bright="100000"/>
@@ -5120,7 +5127,7 @@
                 </a14:imgProps>
               </a:ext>
               <a:ext uri="{28A0092B-C50C-407E-A947-70E740481C1C}">
-                <a14:useLocalDpi xmlns:a14="http://schemas.microsoft.com/office/drawing/2010/main" val="0"/>
+                <a14:useLocalDpi xmlns:a14="http://schemas.microsoft.com/office/drawing/2010/main" xmlns="" val="0"/>
               </a:ext>
             </a:extLst>
           </a:blip>
@@ -5281,7 +5288,7 @@
           <a:blip r:embed="rId2" cstate="print">
             <a:extLst>
               <a:ext uri="{BEBA8EAE-BF5A-486C-A8C5-ECC9F3942E4B}">
-                <a14:imgProps xmlns:a14="http://schemas.microsoft.com/office/drawing/2010/main">
+                <a14:imgProps xmlns:a14="http://schemas.microsoft.com/office/drawing/2010/main" xmlns="">
                   <a14:imgLayer r:embed="rId3">
                     <a14:imgEffect>
                       <a14:brightnessContrast bright="100000"/>
@@ -5290,7 +5297,7 @@
                 </a14:imgProps>
               </a:ext>
               <a:ext uri="{28A0092B-C50C-407E-A947-70E740481C1C}">
-                <a14:useLocalDpi xmlns:a14="http://schemas.microsoft.com/office/drawing/2010/main" val="0"/>
+                <a14:useLocalDpi xmlns:a14="http://schemas.microsoft.com/office/drawing/2010/main" xmlns="" val="0"/>
               </a:ext>
             </a:extLst>
           </a:blip>
@@ -5311,7 +5318,7 @@
     </p:spTree>
     <p:extLst>
       <p:ext uri="{BB962C8B-B14F-4D97-AF65-F5344CB8AC3E}">
-        <p14:creationId xmlns:p14="http://schemas.microsoft.com/office/powerpoint/2010/main" val="3571174895"/>
+        <p14:creationId xmlns:p14="http://schemas.microsoft.com/office/powerpoint/2010/main" xmlns="" val="3571174895"/>
       </p:ext>
     </p:extLst>
   </p:cSld>
@@ -5321,7 +5328,7 @@
   <p:hf hdr="0" ftr="0" dt="0"/>
   <p:extLst>
     <p:ext uri="{DCECCB84-F9BA-43D5-87BE-67443E8EF086}">
-      <p15:sldGuideLst xmlns:p15="http://schemas.microsoft.com/office/powerpoint/2012/main"/>
+      <p15:sldGuideLst xmlns:p15="http://schemas.microsoft.com/office/powerpoint/2012/main" xmlns=""/>
     </p:ext>
   </p:extLst>
 </p:sldLayout>
@@ -5353,7 +5360,7 @@
           <p:nvPr/>
         </p:nvPicPr>
         <p:blipFill>
-          <a:blip r:embed="rId2"/>
+          <a:blip r:embed="rId2" cstate="print"/>
           <a:stretch>
             <a:fillRect/>
           </a:stretch>
@@ -5426,7 +5433,7 @@
           <a:blip r:embed="rId3" cstate="print">
             <a:extLst>
               <a:ext uri="{28A0092B-C50C-407E-A947-70E740481C1C}">
-                <a14:useLocalDpi xmlns:a14="http://schemas.microsoft.com/office/drawing/2010/main" val="0"/>
+                <a14:useLocalDpi xmlns:a14="http://schemas.microsoft.com/office/drawing/2010/main" xmlns="" val="0"/>
               </a:ext>
             </a:extLst>
           </a:blip>
@@ -5536,10 +5543,10 @@
           <p:nvPr/>
         </p:nvPicPr>
         <p:blipFill>
-          <a:blip r:embed="rId4">
+          <a:blip r:embed="rId4" cstate="print">
             <a:extLst>
               <a:ext uri="{28A0092B-C50C-407E-A947-70E740481C1C}">
-                <a14:useLocalDpi xmlns:a14="http://schemas.microsoft.com/office/drawing/2010/main" val="0"/>
+                <a14:useLocalDpi xmlns:a14="http://schemas.microsoft.com/office/drawing/2010/main" xmlns="" val="0"/>
               </a:ext>
             </a:extLst>
           </a:blip>
@@ -5566,7 +5573,7 @@
           <p:nvPr userDrawn="1"/>
         </p:nvPicPr>
         <p:blipFill>
-          <a:blip r:embed="rId2"/>
+          <a:blip r:embed="rId2" cstate="print"/>
           <a:stretch>
             <a:fillRect/>
           </a:stretch>
@@ -5633,10 +5640,10 @@
           <p:nvPr userDrawn="1"/>
         </p:nvPicPr>
         <p:blipFill>
-          <a:blip r:embed="rId4">
+          <a:blip r:embed="rId4" cstate="print">
             <a:extLst>
               <a:ext uri="{28A0092B-C50C-407E-A947-70E740481C1C}">
-                <a14:useLocalDpi xmlns:a14="http://schemas.microsoft.com/office/drawing/2010/main" val="0"/>
+                <a14:useLocalDpi xmlns:a14="http://schemas.microsoft.com/office/drawing/2010/main" xmlns="" val="0"/>
               </a:ext>
             </a:extLst>
           </a:blip>
@@ -5657,7 +5664,7 @@
     </p:spTree>
     <p:extLst>
       <p:ext uri="{BB962C8B-B14F-4D97-AF65-F5344CB8AC3E}">
-        <p14:creationId xmlns:p14="http://schemas.microsoft.com/office/powerpoint/2010/main" val="1186249892"/>
+        <p14:creationId xmlns:p14="http://schemas.microsoft.com/office/powerpoint/2010/main" xmlns="" val="1186249892"/>
       </p:ext>
     </p:extLst>
   </p:cSld>
@@ -5666,7 +5673,7 @@
   </p:clrMapOvr>
   <p:extLst>
     <p:ext uri="{DCECCB84-F9BA-43D5-87BE-67443E8EF086}">
-      <p15:sldGuideLst xmlns:p15="http://schemas.microsoft.com/office/powerpoint/2012/main">
+      <p15:sldGuideLst xmlns:p15="http://schemas.microsoft.com/office/powerpoint/2012/main" xmlns="">
         <p15:guide id="1" pos="5556">
           <p15:clr>
             <a:srgbClr val="FBAE40"/>
@@ -5761,7 +5768,7 @@
     </p:spTree>
     <p:extLst>
       <p:ext uri="{BB962C8B-B14F-4D97-AF65-F5344CB8AC3E}">
-        <p14:creationId xmlns:p14="http://schemas.microsoft.com/office/powerpoint/2010/main" val="1866588549"/>
+        <p14:creationId xmlns:p14="http://schemas.microsoft.com/office/powerpoint/2010/main" xmlns="" val="1866588549"/>
       </p:ext>
     </p:extLst>
   </p:cSld>
@@ -5919,7 +5926,7 @@
     </p:spTree>
     <p:extLst>
       <p:ext uri="{BB962C8B-B14F-4D97-AF65-F5344CB8AC3E}">
-        <p14:creationId xmlns:p14="http://schemas.microsoft.com/office/powerpoint/2010/main" val="1132619931"/>
+        <p14:creationId xmlns:p14="http://schemas.microsoft.com/office/powerpoint/2010/main" xmlns="" val="1132619931"/>
       </p:ext>
     </p:extLst>
   </p:cSld>
@@ -5928,7 +5935,7 @@
   </p:clrMapOvr>
   <p:extLst>
     <p:ext uri="{DCECCB84-F9BA-43D5-87BE-67443E8EF086}">
-      <p15:sldGuideLst xmlns:p15="http://schemas.microsoft.com/office/powerpoint/2012/main"/>
+      <p15:sldGuideLst xmlns:p15="http://schemas.microsoft.com/office/powerpoint/2012/main" xmlns=""/>
     </p:ext>
   </p:extLst>
 </p:sldLayout>
@@ -5960,7 +5967,7 @@
           <p:nvPr/>
         </p:nvPicPr>
         <p:blipFill>
-          <a:blip r:embed="rId2"/>
+          <a:blip r:embed="rId2" cstate="print"/>
           <a:stretch>
             <a:fillRect/>
           </a:stretch>
@@ -6033,7 +6040,7 @@
           <a:blip r:embed="rId3" cstate="print">
             <a:extLst>
               <a:ext uri="{BEBA8EAE-BF5A-486C-A8C5-ECC9F3942E4B}">
-                <a14:imgProps xmlns:a14="http://schemas.microsoft.com/office/drawing/2010/main">
+                <a14:imgProps xmlns:a14="http://schemas.microsoft.com/office/drawing/2010/main" xmlns="">
                   <a14:imgLayer r:embed="rId4">
                     <a14:imgEffect>
                       <a14:brightnessContrast bright="100000"/>
@@ -6042,7 +6049,7 @@
                 </a14:imgProps>
               </a:ext>
               <a:ext uri="{28A0092B-C50C-407E-A947-70E740481C1C}">
-                <a14:useLocalDpi xmlns:a14="http://schemas.microsoft.com/office/drawing/2010/main" val="0"/>
+                <a14:useLocalDpi xmlns:a14="http://schemas.microsoft.com/office/drawing/2010/main" xmlns="" val="0"/>
               </a:ext>
             </a:extLst>
           </a:blip>
@@ -6112,7 +6119,7 @@
           <p:nvPr userDrawn="1"/>
         </p:nvPicPr>
         <p:blipFill>
-          <a:blip r:embed="rId2"/>
+          <a:blip r:embed="rId2" cstate="print"/>
           <a:stretch>
             <a:fillRect/>
           </a:stretch>
@@ -6185,7 +6192,7 @@
           <a:blip r:embed="rId3" cstate="print">
             <a:extLst>
               <a:ext uri="{BEBA8EAE-BF5A-486C-A8C5-ECC9F3942E4B}">
-                <a14:imgProps xmlns:a14="http://schemas.microsoft.com/office/drawing/2010/main">
+                <a14:imgProps xmlns:a14="http://schemas.microsoft.com/office/drawing/2010/main" xmlns="">
                   <a14:imgLayer r:embed="rId4">
                     <a14:imgEffect>
                       <a14:brightnessContrast bright="100000"/>
@@ -6194,7 +6201,7 @@
                 </a14:imgProps>
               </a:ext>
               <a:ext uri="{28A0092B-C50C-407E-A947-70E740481C1C}">
-                <a14:useLocalDpi xmlns:a14="http://schemas.microsoft.com/office/drawing/2010/main" val="0"/>
+                <a14:useLocalDpi xmlns:a14="http://schemas.microsoft.com/office/drawing/2010/main" xmlns="" val="0"/>
               </a:ext>
             </a:extLst>
           </a:blip>
@@ -6258,7 +6265,7 @@
     </p:spTree>
     <p:extLst>
       <p:ext uri="{BB962C8B-B14F-4D97-AF65-F5344CB8AC3E}">
-        <p14:creationId xmlns:p14="http://schemas.microsoft.com/office/powerpoint/2010/main" val="1119330335"/>
+        <p14:creationId xmlns:p14="http://schemas.microsoft.com/office/powerpoint/2010/main" xmlns="" val="1119330335"/>
       </p:ext>
     </p:extLst>
   </p:cSld>
@@ -6302,7 +6309,7 @@
           <p:nvPr/>
         </p:nvPicPr>
         <p:blipFill>
-          <a:blip r:embed="rId18"/>
+          <a:blip r:embed="rId18" cstate="print"/>
           <a:stretch>
             <a:fillRect/>
           </a:stretch>
@@ -6436,7 +6443,7 @@
           <a:blip r:embed="rId19" cstate="print">
             <a:extLst>
               <a:ext uri="{BEBA8EAE-BF5A-486C-A8C5-ECC9F3942E4B}">
-                <a14:imgProps xmlns:a14="http://schemas.microsoft.com/office/drawing/2010/main">
+                <a14:imgProps xmlns:a14="http://schemas.microsoft.com/office/drawing/2010/main" xmlns="">
                   <a14:imgLayer r:embed="rId20">
                     <a14:imgEffect>
                       <a14:brightnessContrast bright="100000"/>
@@ -6445,7 +6452,7 @@
                 </a14:imgProps>
               </a:ext>
               <a:ext uri="{28A0092B-C50C-407E-A947-70E740481C1C}">
-                <a14:useLocalDpi xmlns:a14="http://schemas.microsoft.com/office/drawing/2010/main" val="0"/>
+                <a14:useLocalDpi xmlns:a14="http://schemas.microsoft.com/office/drawing/2010/main" xmlns="" val="0"/>
               </a:ext>
             </a:extLst>
           </a:blip>
@@ -6515,7 +6522,7 @@
           <p:nvPr/>
         </p:nvPicPr>
         <p:blipFill>
-          <a:blip r:embed="rId21"/>
+          <a:blip r:embed="rId21" cstate="print"/>
           <a:stretch>
             <a:fillRect/>
           </a:stretch>
@@ -6571,7 +6578,7 @@
           <p:nvPr userDrawn="1"/>
         </p:nvPicPr>
         <p:blipFill>
-          <a:blip r:embed="rId18"/>
+          <a:blip r:embed="rId18" cstate="print"/>
           <a:stretch>
             <a:fillRect/>
           </a:stretch>
@@ -6644,7 +6651,7 @@
           <a:blip r:embed="rId19" cstate="print">
             <a:extLst>
               <a:ext uri="{BEBA8EAE-BF5A-486C-A8C5-ECC9F3942E4B}">
-                <a14:imgProps xmlns:a14="http://schemas.microsoft.com/office/drawing/2010/main">
+                <a14:imgProps xmlns:a14="http://schemas.microsoft.com/office/drawing/2010/main" xmlns="">
                   <a14:imgLayer r:embed="rId20">
                     <a14:imgEffect>
                       <a14:brightnessContrast bright="100000"/>
@@ -6653,7 +6660,7 @@
                 </a14:imgProps>
               </a:ext>
               <a:ext uri="{28A0092B-C50C-407E-A947-70E740481C1C}">
-                <a14:useLocalDpi xmlns:a14="http://schemas.microsoft.com/office/drawing/2010/main" val="0"/>
+                <a14:useLocalDpi xmlns:a14="http://schemas.microsoft.com/office/drawing/2010/main" xmlns="" val="0"/>
               </a:ext>
             </a:extLst>
           </a:blip>
@@ -6723,7 +6730,7 @@
           <p:nvPr userDrawn="1"/>
         </p:nvPicPr>
         <p:blipFill>
-          <a:blip r:embed="rId21"/>
+          <a:blip r:embed="rId21" cstate="print"/>
           <a:stretch>
             <a:fillRect/>
           </a:stretch>
@@ -6741,7 +6748,7 @@
     </p:spTree>
     <p:extLst>
       <p:ext uri="{BB962C8B-B14F-4D97-AF65-F5344CB8AC3E}">
-        <p14:creationId xmlns:p14="http://schemas.microsoft.com/office/powerpoint/2010/main" val="3265737396"/>
+        <p14:creationId xmlns:p14="http://schemas.microsoft.com/office/powerpoint/2010/main" xmlns="" val="3265737396"/>
       </p:ext>
     </p:extLst>
   </p:cSld>
@@ -7146,18 +7153,18 @@
     </p:spTree>
     <p:extLst>
       <p:ext uri="{BB962C8B-B14F-4D97-AF65-F5344CB8AC3E}">
-        <p14:creationId xmlns:p14="http://schemas.microsoft.com/office/powerpoint/2010/main" val="1691820105"/>
+        <p14:creationId xmlns:p14="http://schemas.microsoft.com/office/powerpoint/2010/main" xmlns="" val="1691820105"/>
       </p:ext>
     </p:extLst>
   </p:cSld>
   <p:clrMapOvr>
     <a:masterClrMapping/>
   </p:clrMapOvr>
-  <mc:AlternateContent xmlns:mc="http://schemas.openxmlformats.org/markup-compatibility/2006" xmlns:p14="http://schemas.microsoft.com/office/powerpoint/2010/main">
-    <mc:Choice Requires="p14">
+  <mc:AlternateContent xmlns:mc="http://schemas.openxmlformats.org/markup-compatibility/2006">
+    <mc:Choice xmlns:p14="http://schemas.microsoft.com/office/powerpoint/2010/main" xmlns="" Requires="p14">
       <p:transition p14:dur="10"/>
     </mc:Choice>
-    <mc:Fallback xmlns="">
+    <mc:Fallback>
       <p:transition/>
     </mc:Fallback>
   </mc:AlternateContent>
@@ -7194,54 +7201,98 @@
         <p:spPr>
           <a:xfrm>
             <a:off x="494025" y="1685678"/>
-            <a:ext cx="8372162" cy="4921498"/>
+            <a:ext cx="3373125" cy="4921498"/>
           </a:xfrm>
         </p:spPr>
         <p:txBody>
-          <a:bodyPr/>
+          <a:bodyPr>
+            <a:normAutofit/>
+          </a:bodyPr>
           <a:lstStyle/>
+          <a:p>
+            <a:pPr lvl="1"/>
+            <a:r>
+              <a:rPr lang="zh-CN" altLang="zh-CN" dirty="0" smtClean="0"/>
+              <a:t>侧面检测和染色使用形状检测和颜色检测算法：</a:t>
+            </a:r>
+          </a:p>
+          <a:p>
+            <a:pPr lvl="2"/>
+            <a:r>
+              <a:rPr lang="en-US" altLang="zh-CN" dirty="0" err="1" smtClean="0"/>
+              <a:t>opencv</a:t>
+            </a:r>
+            <a:r>
+              <a:rPr lang="zh-CN" altLang="zh-CN" dirty="0" smtClean="0"/>
+              <a:t>进行高斯模糊和图片灰度化减少噪声</a:t>
+            </a:r>
+          </a:p>
+          <a:p>
+            <a:pPr lvl="2"/>
+            <a:r>
+              <a:rPr lang="zh-CN" altLang="zh-CN" dirty="0" smtClean="0"/>
+              <a:t>用</a:t>
+            </a:r>
+            <a:r>
+              <a:rPr lang="en-US" altLang="zh-CN" dirty="0" err="1" smtClean="0"/>
+              <a:t>opencv</a:t>
+            </a:r>
+            <a:r>
+              <a:rPr lang="zh-CN" altLang="zh-CN" dirty="0" smtClean="0"/>
+              <a:t>进行阈值分割显示形状</a:t>
+            </a:r>
+          </a:p>
+          <a:p>
+            <a:pPr lvl="2"/>
+            <a:r>
+              <a:rPr lang="zh-CN" altLang="zh-CN" dirty="0" smtClean="0"/>
+              <a:t>用</a:t>
+            </a:r>
+            <a:r>
+              <a:rPr lang="en-US" altLang="zh-CN" dirty="0" err="1" smtClean="0"/>
+              <a:t>findContous</a:t>
+            </a:r>
+            <a:r>
+              <a:rPr lang="zh-CN" altLang="zh-CN" dirty="0" smtClean="0"/>
+              <a:t>获取形状元组</a:t>
+            </a:r>
+          </a:p>
+          <a:p>
+            <a:pPr lvl="2"/>
+            <a:r>
+              <a:rPr lang="zh-CN" altLang="zh-CN" dirty="0" smtClean="0"/>
+              <a:t>最后调用初始化的形状检测器，</a:t>
+            </a:r>
+            <a:r>
+              <a:rPr lang="en-US" altLang="zh-CN" dirty="0" err="1" smtClean="0"/>
+              <a:t>approxPolyDp</a:t>
+            </a:r>
+            <a:r>
+              <a:rPr lang="zh-CN" altLang="zh-CN" dirty="0" smtClean="0"/>
+              <a:t>获取形状顶点，</a:t>
+            </a:r>
+            <a:r>
+              <a:rPr lang="en-US" altLang="zh-CN" dirty="0" smtClean="0"/>
+              <a:t>4</a:t>
+            </a:r>
+            <a:r>
+              <a:rPr lang="zh-CN" altLang="zh-CN" dirty="0" smtClean="0"/>
+              <a:t>个顶点的就是侧面</a:t>
+            </a:r>
+          </a:p>
+          <a:p>
+            <a:pPr lvl="2"/>
+            <a:r>
+              <a:rPr lang="zh-CN" altLang="zh-CN" dirty="0" smtClean="0"/>
+              <a:t>循环计算各个侧面的坐标</a:t>
+            </a:r>
+          </a:p>
           <a:p>
             <a:pPr>
               <a:lnSpc>
                 <a:spcPct val="150000"/>
               </a:lnSpc>
             </a:pPr>
-            <a:r>
-              <a:rPr lang="zh-CN" altLang="en-US" dirty="0"/>
-              <a:t>美中不足：</a:t>
-            </a:r>
-            <a:endParaRPr lang="en-US" altLang="zh-CN" dirty="0"/>
-          </a:p>
-          <a:p>
-            <a:pPr>
-              <a:lnSpc>
-                <a:spcPct val="150000"/>
-              </a:lnSpc>
-            </a:pPr>
-            <a:r>
-              <a:rPr lang="zh-CN" altLang="en-US" dirty="0"/>
-              <a:t>模板检测方法的局限性，加入新的瓶盖需要新录入模板</a:t>
-            </a:r>
-            <a:endParaRPr lang="en-US" altLang="zh-CN" dirty="0"/>
-          </a:p>
-          <a:p>
-            <a:pPr>
-              <a:lnSpc>
-                <a:spcPct val="150000"/>
-              </a:lnSpc>
-            </a:pPr>
-            <a:endParaRPr lang="en-US" altLang="zh-CN" dirty="0"/>
-          </a:p>
-          <a:p>
-            <a:pPr>
-              <a:lnSpc>
-                <a:spcPct val="150000"/>
-              </a:lnSpc>
-            </a:pPr>
-            <a:r>
-              <a:rPr lang="zh-CN" altLang="en-US" dirty="0"/>
-              <a:t>考虑到瓶盖分拣的具体工业用途：分拣特定几种瓶盖，所以缺陷可以接受。</a:t>
-            </a:r>
             <a:endParaRPr lang="en-US" altLang="zh-CN" dirty="0"/>
           </a:p>
           <a:p>
@@ -7270,16 +7321,50 @@
           <a:lstStyle/>
           <a:p>
             <a:r>
-              <a:rPr lang="zh-CN" altLang="en-US" dirty="0"/>
-              <a:t>结果分析</a:t>
-            </a:r>
+              <a:rPr lang="zh-CN" altLang="en-US" dirty="0" smtClean="0"/>
+              <a:t>算法分析</a:t>
+            </a:r>
+            <a:endParaRPr lang="zh-CN" altLang="en-US" dirty="0"/>
           </a:p>
         </p:txBody>
       </p:sp>
+      <p:pic>
+        <p:nvPicPr>
+          <p:cNvPr id="5" name="图片 4"/>
+          <p:cNvPicPr/>
+          <p:nvPr/>
+        </p:nvPicPr>
+        <p:blipFill>
+          <a:blip r:embed="rId2" cstate="print">
+            <a:extLst>
+              <a:ext uri="{28A0092B-C50C-407E-A947-70E740481C1C}">
+                <a14:useLocalDpi xmlns:ve="http://schemas.openxmlformats.org/markup-compatibility/2006" xmlns:m="http://schemas.openxmlformats.org/officeDocument/2006/math" xmlns:wp="http://schemas.openxmlformats.org/drawingml/2006/wordprocessingDrawing" xmlns:wne="http://schemas.microsoft.com/office/word/2006/wordml" xmlns:a14="http://schemas.microsoft.com/office/drawing/2010/main" xmlns:wps="http://schemas.microsoft.com/office/word/2010/wordprocessingShape" xmlns:wpi="http://schemas.microsoft.com/office/word/2010/wordprocessingInk" xmlns:wpg="http://schemas.microsoft.com/office/word/2010/wordprocessingGroup" xmlns:w16se="http://schemas.microsoft.com/office/word/2015/wordml/symex" xmlns:w16cid="http://schemas.microsoft.com/office/word/2016/wordml/cid" xmlns:w15="http://schemas.microsoft.com/office/word/2012/wordml" xmlns:w14="http://schemas.microsoft.com/office/word/2010/wordml" xmlns:w="http://schemas.openxmlformats.org/wordprocessingml/2006/main" xmlns:w10="urn:schemas-microsoft-com:office:word" xmlns:wp14="http://schemas.microsoft.com/office/word/2010/wordprocessingDrawing" xmlns:v="urn:schemas-microsoft-com:vml" xmlns:o="urn:schemas-microsoft-com:office:office" xmlns:am3d="http://schemas.microsoft.com/office/drawing/2017/model3d" xmlns:aink="http://schemas.microsoft.com/office/drawing/2016/ink" xmlns:mc="http://schemas.openxmlformats.org/markup-compatibility/2006" xmlns:cx8="http://schemas.microsoft.com/office/drawing/2016/5/14/chartex" xmlns:cx7="http://schemas.microsoft.com/office/drawing/2016/5/13/chartex" xmlns:cx6="http://schemas.microsoft.com/office/drawing/2016/5/12/chartex" xmlns:cx5="http://schemas.microsoft.com/office/drawing/2016/5/11/chartex" xmlns:cx4="http://schemas.microsoft.com/office/drawing/2016/5/10/chartex" xmlns:cx3="http://schemas.microsoft.com/office/drawing/2016/5/9/chartex" xmlns:cx2="http://schemas.microsoft.com/office/drawing/2015/10/21/chartex" xmlns:cx1="http://schemas.microsoft.com/office/drawing/2015/9/8/chartex" xmlns:cx="http://schemas.microsoft.com/office/drawing/2014/chartex" xmlns:wpc="http://schemas.microsoft.com/office/word/2010/wordprocessingCanvas" xmlns="" xmlns:pic="http://schemas.openxmlformats.org/drawingml/2006/picture" xmlns:lc="http://schemas.openxmlformats.org/drawingml/2006/lockedCanvas" val="0"/>
+              </a:ext>
+            </a:extLst>
+          </a:blip>
+          <a:srcRect/>
+          <a:stretch>
+            <a:fillRect/>
+          </a:stretch>
+        </p:blipFill>
+        <p:spPr bwMode="auto">
+          <a:xfrm>
+            <a:off x="4208400" y="1983879"/>
+            <a:ext cx="4935600" cy="4138750"/>
+          </a:xfrm>
+          <a:prstGeom prst="rect">
+            <a:avLst/>
+          </a:prstGeom>
+          <a:noFill/>
+          <a:ln>
+            <a:noFill/>
+          </a:ln>
+        </p:spPr>
+      </p:pic>
     </p:spTree>
     <p:extLst>
       <p:ext uri="{BB962C8B-B14F-4D97-AF65-F5344CB8AC3E}">
-        <p14:creationId xmlns:p14="http://schemas.microsoft.com/office/powerpoint/2010/main" val="1682687890"/>
+        <p14:creationId xmlns:p14="http://schemas.microsoft.com/office/powerpoint/2010/main" xmlns="" val="2176958427"/>
       </p:ext>
     </p:extLst>
   </p:cSld>
@@ -7290,6 +7375,1236 @@
 </file>
 
 <file path=ppt/slides/slide11.xml><?xml version="1.0" encoding="utf-8"?>
+<p:sld xmlns:a="http://schemas.openxmlformats.org/drawingml/2006/main" xmlns:r="http://schemas.openxmlformats.org/officeDocument/2006/relationships" xmlns:p="http://schemas.openxmlformats.org/presentationml/2006/main">
+  <p:cSld>
+    <p:spTree>
+      <p:nvGrpSpPr>
+        <p:cNvPr id="1" name=""/>
+        <p:cNvGrpSpPr/>
+        <p:nvPr/>
+      </p:nvGrpSpPr>
+      <p:grpSpPr>
+        <a:xfrm>
+          <a:off x="0" y="0"/>
+          <a:ext cx="0" cy="0"/>
+          <a:chOff x="0" y="0"/>
+          <a:chExt cx="0" cy="0"/>
+        </a:xfrm>
+      </p:grpSpPr>
+      <p:sp>
+        <p:nvSpPr>
+          <p:cNvPr id="2" name="标题 1"/>
+          <p:cNvSpPr>
+            <a:spLocks noGrp="1"/>
+          </p:cNvSpPr>
+          <p:nvPr>
+            <p:ph type="title"/>
+          </p:nvPr>
+        </p:nvSpPr>
+        <p:spPr/>
+        <p:txBody>
+          <a:bodyPr>
+            <a:normAutofit fontScale="90000"/>
+          </a:bodyPr>
+          <a:lstStyle/>
+          <a:p>
+            <a:r>
+              <a:rPr lang="zh-CN" altLang="en-US" dirty="0">
+                <a:latin typeface="微软雅黑" panose="020B0503020204020204" pitchFamily="34" charset="-122"/>
+                <a:ea typeface="微软雅黑" panose="020B0503020204020204" pitchFamily="34" charset="-122"/>
+              </a:rPr>
+              <a:t>目录 </a:t>
+            </a:r>
+            <a:r>
+              <a:rPr lang="en-US" altLang="zh-CN" dirty="0">
+                <a:latin typeface="微软雅黑" panose="020B0503020204020204" pitchFamily="34" charset="-122"/>
+                <a:ea typeface="微软雅黑" panose="020B0503020204020204" pitchFamily="34" charset="-122"/>
+              </a:rPr>
+              <a:t>Contents</a:t>
+            </a:r>
+            <a:endParaRPr lang="zh-CN" altLang="en-US" dirty="0">
+              <a:latin typeface="微软雅黑" panose="020B0503020204020204" pitchFamily="34" charset="-122"/>
+              <a:ea typeface="微软雅黑" panose="020B0503020204020204" pitchFamily="34" charset="-122"/>
+            </a:endParaRPr>
+          </a:p>
+        </p:txBody>
+      </p:sp>
+      <p:grpSp>
+        <p:nvGrpSpPr>
+          <p:cNvPr id="27" name="组合 26">
+            <a:extLst>
+              <a:ext uri="{FF2B5EF4-FFF2-40B4-BE49-F238E27FC236}">
+                <a16:creationId xmlns:a16="http://schemas.microsoft.com/office/drawing/2014/main" xmlns="" id="{BD047CD5-4C5C-4762-AADE-57F799577979}"/>
+              </a:ext>
+            </a:extLst>
+          </p:cNvPr>
+          <p:cNvGrpSpPr/>
+          <p:nvPr/>
+        </p:nvGrpSpPr>
+        <p:grpSpPr>
+          <a:xfrm>
+            <a:off x="1841535" y="1303550"/>
+            <a:ext cx="843427" cy="443226"/>
+            <a:chOff x="666810" y="2586037"/>
+            <a:chExt cx="468000" cy="245937"/>
+          </a:xfrm>
+        </p:grpSpPr>
+        <p:sp>
+          <p:nvSpPr>
+            <p:cNvPr id="28" name="Freeform 10">
+              <a:extLst>
+                <a:ext uri="{FF2B5EF4-FFF2-40B4-BE49-F238E27FC236}">
+                  <a16:creationId xmlns:a16="http://schemas.microsoft.com/office/drawing/2014/main" xmlns="" id="{8B2167EC-56CF-4B70-A775-2D642E546D8F}"/>
+                </a:ext>
+              </a:extLst>
+            </p:cNvPr>
+            <p:cNvSpPr>
+              <a:spLocks/>
+            </p:cNvSpPr>
+            <p:nvPr/>
+          </p:nvSpPr>
+          <p:spPr bwMode="auto">
+            <a:xfrm>
+              <a:off x="666810" y="2621442"/>
+              <a:ext cx="468000" cy="190800"/>
+            </a:xfrm>
+            <a:custGeom>
+              <a:avLst/>
+              <a:gdLst>
+                <a:gd name="T0" fmla="*/ 3120 w 3800"/>
+                <a:gd name="T1" fmla="*/ 0 h 1532"/>
+                <a:gd name="T2" fmla="*/ 682 w 3800"/>
+                <a:gd name="T3" fmla="*/ 0 h 1532"/>
+                <a:gd name="T4" fmla="*/ 682 w 3800"/>
+                <a:gd name="T5" fmla="*/ 284 h 1532"/>
+                <a:gd name="T6" fmla="*/ 0 w 3800"/>
+                <a:gd name="T7" fmla="*/ 766 h 1532"/>
+                <a:gd name="T8" fmla="*/ 682 w 3800"/>
+                <a:gd name="T9" fmla="*/ 1248 h 1532"/>
+                <a:gd name="T10" fmla="*/ 682 w 3800"/>
+                <a:gd name="T11" fmla="*/ 1532 h 1532"/>
+                <a:gd name="T12" fmla="*/ 3120 w 3800"/>
+                <a:gd name="T13" fmla="*/ 1532 h 1532"/>
+                <a:gd name="T14" fmla="*/ 3120 w 3800"/>
+                <a:gd name="T15" fmla="*/ 1248 h 1532"/>
+                <a:gd name="T16" fmla="*/ 3800 w 3800"/>
+                <a:gd name="T17" fmla="*/ 766 h 1532"/>
+                <a:gd name="T18" fmla="*/ 3120 w 3800"/>
+                <a:gd name="T19" fmla="*/ 284 h 1532"/>
+                <a:gd name="T20" fmla="*/ 3120 w 3800"/>
+                <a:gd name="T21" fmla="*/ 0 h 1532"/>
+              </a:gdLst>
+              <a:ahLst/>
+              <a:cxnLst>
+                <a:cxn ang="0">
+                  <a:pos x="T0" y="T1"/>
+                </a:cxn>
+                <a:cxn ang="0">
+                  <a:pos x="T2" y="T3"/>
+                </a:cxn>
+                <a:cxn ang="0">
+                  <a:pos x="T4" y="T5"/>
+                </a:cxn>
+                <a:cxn ang="0">
+                  <a:pos x="T6" y="T7"/>
+                </a:cxn>
+                <a:cxn ang="0">
+                  <a:pos x="T8" y="T9"/>
+                </a:cxn>
+                <a:cxn ang="0">
+                  <a:pos x="T10" y="T11"/>
+                </a:cxn>
+                <a:cxn ang="0">
+                  <a:pos x="T12" y="T13"/>
+                </a:cxn>
+                <a:cxn ang="0">
+                  <a:pos x="T14" y="T15"/>
+                </a:cxn>
+                <a:cxn ang="0">
+                  <a:pos x="T16" y="T17"/>
+                </a:cxn>
+                <a:cxn ang="0">
+                  <a:pos x="T18" y="T19"/>
+                </a:cxn>
+                <a:cxn ang="0">
+                  <a:pos x="T20" y="T21"/>
+                </a:cxn>
+              </a:cxnLst>
+              <a:rect l="0" t="0" r="r" b="b"/>
+              <a:pathLst>
+                <a:path w="3800" h="1532">
+                  <a:moveTo>
+                    <a:pt x="3120" y="0"/>
+                  </a:moveTo>
+                  <a:lnTo>
+                    <a:pt x="682" y="0"/>
+                  </a:lnTo>
+                  <a:lnTo>
+                    <a:pt x="682" y="284"/>
+                  </a:lnTo>
+                  <a:lnTo>
+                    <a:pt x="0" y="766"/>
+                  </a:lnTo>
+                  <a:lnTo>
+                    <a:pt x="682" y="1248"/>
+                  </a:lnTo>
+                  <a:lnTo>
+                    <a:pt x="682" y="1532"/>
+                  </a:lnTo>
+                  <a:lnTo>
+                    <a:pt x="3120" y="1532"/>
+                  </a:lnTo>
+                  <a:lnTo>
+                    <a:pt x="3120" y="1248"/>
+                  </a:lnTo>
+                  <a:lnTo>
+                    <a:pt x="3800" y="766"/>
+                  </a:lnTo>
+                  <a:lnTo>
+                    <a:pt x="3120" y="284"/>
+                  </a:lnTo>
+                  <a:lnTo>
+                    <a:pt x="3120" y="0"/>
+                  </a:lnTo>
+                  <a:close/>
+                </a:path>
+              </a:pathLst>
+            </a:custGeom>
+            <a:solidFill>
+              <a:schemeClr val="bg1">
+                <a:lumMod val="65000"/>
+              </a:schemeClr>
+            </a:solidFill>
+            <a:ln>
+              <a:noFill/>
+            </a:ln>
+          </p:spPr>
+          <p:txBody>
+            <a:bodyPr vert="horz" wrap="square" lIns="91440" tIns="45720" rIns="91440" bIns="45720" numCol="1" anchor="ctr" anchorCtr="0" compatLnSpc="1">
+              <a:prstTxWarp prst="textNoShape">
+                <a:avLst/>
+              </a:prstTxWarp>
+              <a:noAutofit/>
+            </a:bodyPr>
+            <a:lstStyle/>
+            <a:p>
+              <a:pPr algn="ctr"/>
+              <a:endParaRPr lang="zh-CN" altLang="en-US" sz="3200" b="1"/>
+            </a:p>
+          </p:txBody>
+        </p:sp>
+        <p:sp>
+          <p:nvSpPr>
+            <p:cNvPr id="29" name="文本框 28">
+              <a:extLst>
+                <a:ext uri="{FF2B5EF4-FFF2-40B4-BE49-F238E27FC236}">
+                  <a16:creationId xmlns:a16="http://schemas.microsoft.com/office/drawing/2014/main" xmlns="" id="{B8327F81-6339-4F96-86FB-23B9A3BA6604}"/>
+                </a:ext>
+              </a:extLst>
+            </p:cNvPr>
+            <p:cNvSpPr txBox="1"/>
+            <p:nvPr/>
+          </p:nvSpPr>
+          <p:spPr>
+            <a:xfrm>
+              <a:off x="794494" y="2586037"/>
+              <a:ext cx="212633" cy="245937"/>
+            </a:xfrm>
+            <a:prstGeom prst="rect">
+              <a:avLst/>
+            </a:prstGeom>
+            <a:noFill/>
+          </p:spPr>
+          <p:txBody>
+            <a:bodyPr wrap="none" rtlCol="0" anchor="ctr">
+              <a:noAutofit/>
+            </a:bodyPr>
+            <a:lstStyle/>
+            <a:p>
+              <a:pPr algn="ctr"/>
+              <a:r>
+                <a:rPr lang="en-US" altLang="zh-CN" b="1" dirty="0">
+                  <a:solidFill>
+                    <a:schemeClr val="bg1"/>
+                  </a:solidFill>
+                  <a:latin typeface="微软雅黑" panose="020B0503020204020204" pitchFamily="34" charset="-122"/>
+                  <a:ea typeface="微软雅黑" panose="020B0503020204020204" pitchFamily="34" charset="-122"/>
+                </a:rPr>
+                <a:t>1</a:t>
+              </a:r>
+              <a:endParaRPr lang="zh-CN" altLang="en-US" b="1" dirty="0">
+                <a:solidFill>
+                  <a:schemeClr val="bg1"/>
+                </a:solidFill>
+                <a:latin typeface="微软雅黑" panose="020B0503020204020204" pitchFamily="34" charset="-122"/>
+                <a:ea typeface="微软雅黑" panose="020B0503020204020204" pitchFamily="34" charset="-122"/>
+              </a:endParaRPr>
+            </a:p>
+          </p:txBody>
+        </p:sp>
+      </p:grpSp>
+      <p:cxnSp>
+        <p:nvCxnSpPr>
+          <p:cNvPr id="30" name="直接连接符 29">
+            <a:extLst>
+              <a:ext uri="{FF2B5EF4-FFF2-40B4-BE49-F238E27FC236}">
+                <a16:creationId xmlns:a16="http://schemas.microsoft.com/office/drawing/2014/main" xmlns="" id="{0D1123DB-D158-41F5-B30C-C5A036654224}"/>
+              </a:ext>
+            </a:extLst>
+          </p:cNvPr>
+          <p:cNvCxnSpPr>
+            <a:stCxn id="28" idx="6"/>
+          </p:cNvCxnSpPr>
+          <p:nvPr/>
+        </p:nvCxnSpPr>
+        <p:spPr>
+          <a:xfrm>
+            <a:off x="2534033" y="1711215"/>
+            <a:ext cx="4500000" cy="0"/>
+          </a:xfrm>
+          <a:prstGeom prst="line">
+            <a:avLst/>
+          </a:prstGeom>
+          <a:ln>
+            <a:solidFill>
+              <a:schemeClr val="bg1">
+                <a:lumMod val="65000"/>
+              </a:schemeClr>
+            </a:solidFill>
+          </a:ln>
+        </p:spPr>
+        <p:style>
+          <a:lnRef idx="1">
+            <a:schemeClr val="accent1"/>
+          </a:lnRef>
+          <a:fillRef idx="0">
+            <a:schemeClr val="accent1"/>
+          </a:fillRef>
+          <a:effectRef idx="0">
+            <a:schemeClr val="accent1"/>
+          </a:effectRef>
+          <a:fontRef idx="minor">
+            <a:schemeClr val="tx1"/>
+          </a:fontRef>
+        </p:style>
+      </p:cxnSp>
+      <p:sp>
+        <p:nvSpPr>
+          <p:cNvPr id="31" name="文本框 30">
+            <a:extLst>
+              <a:ext uri="{FF2B5EF4-FFF2-40B4-BE49-F238E27FC236}">
+                <a16:creationId xmlns:a16="http://schemas.microsoft.com/office/drawing/2014/main" xmlns="" id="{2BE1D157-F766-43FD-BBEB-5DD3981F14E6}"/>
+              </a:ext>
+            </a:extLst>
+          </p:cNvPr>
+          <p:cNvSpPr txBox="1"/>
+          <p:nvPr/>
+        </p:nvSpPr>
+        <p:spPr>
+          <a:xfrm>
+            <a:off x="2915073" y="1274734"/>
+            <a:ext cx="4387392" cy="461665"/>
+          </a:xfrm>
+          <a:prstGeom prst="rect">
+            <a:avLst/>
+          </a:prstGeom>
+          <a:noFill/>
+        </p:spPr>
+        <p:txBody>
+          <a:bodyPr wrap="square" rtlCol="0">
+            <a:spAutoFit/>
+          </a:bodyPr>
+          <a:lstStyle/>
+          <a:p>
+            <a:r>
+              <a:rPr lang="zh-CN" altLang="en-US" sz="2400" dirty="0"/>
+              <a:t>系统目标</a:t>
+            </a:r>
+          </a:p>
+        </p:txBody>
+      </p:sp>
+      <p:grpSp>
+        <p:nvGrpSpPr>
+          <p:cNvPr id="32" name="组合 31">
+            <a:extLst>
+              <a:ext uri="{FF2B5EF4-FFF2-40B4-BE49-F238E27FC236}">
+                <a16:creationId xmlns:a16="http://schemas.microsoft.com/office/drawing/2014/main" xmlns="" id="{CF663C2E-017F-4648-A214-12B8DC96D72E}"/>
+              </a:ext>
+            </a:extLst>
+          </p:cNvPr>
+          <p:cNvGrpSpPr/>
+          <p:nvPr/>
+        </p:nvGrpSpPr>
+        <p:grpSpPr>
+          <a:xfrm>
+            <a:off x="1841535" y="2628612"/>
+            <a:ext cx="843427" cy="443226"/>
+            <a:chOff x="666810" y="2586037"/>
+            <a:chExt cx="468000" cy="245937"/>
+          </a:xfrm>
+        </p:grpSpPr>
+        <p:sp>
+          <p:nvSpPr>
+            <p:cNvPr id="37" name="Freeform 10">
+              <a:extLst>
+                <a:ext uri="{FF2B5EF4-FFF2-40B4-BE49-F238E27FC236}">
+                  <a16:creationId xmlns:a16="http://schemas.microsoft.com/office/drawing/2014/main" xmlns="" id="{A3180814-703B-4106-A112-F8BF5802DB38}"/>
+                </a:ext>
+              </a:extLst>
+            </p:cNvPr>
+            <p:cNvSpPr>
+              <a:spLocks/>
+            </p:cNvSpPr>
+            <p:nvPr/>
+          </p:nvSpPr>
+          <p:spPr bwMode="auto">
+            <a:xfrm>
+              <a:off x="666810" y="2621442"/>
+              <a:ext cx="468000" cy="190800"/>
+            </a:xfrm>
+            <a:custGeom>
+              <a:avLst/>
+              <a:gdLst>
+                <a:gd name="T0" fmla="*/ 3120 w 3800"/>
+                <a:gd name="T1" fmla="*/ 0 h 1532"/>
+                <a:gd name="T2" fmla="*/ 682 w 3800"/>
+                <a:gd name="T3" fmla="*/ 0 h 1532"/>
+                <a:gd name="T4" fmla="*/ 682 w 3800"/>
+                <a:gd name="T5" fmla="*/ 284 h 1532"/>
+                <a:gd name="T6" fmla="*/ 0 w 3800"/>
+                <a:gd name="T7" fmla="*/ 766 h 1532"/>
+                <a:gd name="T8" fmla="*/ 682 w 3800"/>
+                <a:gd name="T9" fmla="*/ 1248 h 1532"/>
+                <a:gd name="T10" fmla="*/ 682 w 3800"/>
+                <a:gd name="T11" fmla="*/ 1532 h 1532"/>
+                <a:gd name="T12" fmla="*/ 3120 w 3800"/>
+                <a:gd name="T13" fmla="*/ 1532 h 1532"/>
+                <a:gd name="T14" fmla="*/ 3120 w 3800"/>
+                <a:gd name="T15" fmla="*/ 1248 h 1532"/>
+                <a:gd name="T16" fmla="*/ 3800 w 3800"/>
+                <a:gd name="T17" fmla="*/ 766 h 1532"/>
+                <a:gd name="T18" fmla="*/ 3120 w 3800"/>
+                <a:gd name="T19" fmla="*/ 284 h 1532"/>
+                <a:gd name="T20" fmla="*/ 3120 w 3800"/>
+                <a:gd name="T21" fmla="*/ 0 h 1532"/>
+              </a:gdLst>
+              <a:ahLst/>
+              <a:cxnLst>
+                <a:cxn ang="0">
+                  <a:pos x="T0" y="T1"/>
+                </a:cxn>
+                <a:cxn ang="0">
+                  <a:pos x="T2" y="T3"/>
+                </a:cxn>
+                <a:cxn ang="0">
+                  <a:pos x="T4" y="T5"/>
+                </a:cxn>
+                <a:cxn ang="0">
+                  <a:pos x="T6" y="T7"/>
+                </a:cxn>
+                <a:cxn ang="0">
+                  <a:pos x="T8" y="T9"/>
+                </a:cxn>
+                <a:cxn ang="0">
+                  <a:pos x="T10" y="T11"/>
+                </a:cxn>
+                <a:cxn ang="0">
+                  <a:pos x="T12" y="T13"/>
+                </a:cxn>
+                <a:cxn ang="0">
+                  <a:pos x="T14" y="T15"/>
+                </a:cxn>
+                <a:cxn ang="0">
+                  <a:pos x="T16" y="T17"/>
+                </a:cxn>
+                <a:cxn ang="0">
+                  <a:pos x="T18" y="T19"/>
+                </a:cxn>
+                <a:cxn ang="0">
+                  <a:pos x="T20" y="T21"/>
+                </a:cxn>
+              </a:cxnLst>
+              <a:rect l="0" t="0" r="r" b="b"/>
+              <a:pathLst>
+                <a:path w="3800" h="1532">
+                  <a:moveTo>
+                    <a:pt x="3120" y="0"/>
+                  </a:moveTo>
+                  <a:lnTo>
+                    <a:pt x="682" y="0"/>
+                  </a:lnTo>
+                  <a:lnTo>
+                    <a:pt x="682" y="284"/>
+                  </a:lnTo>
+                  <a:lnTo>
+                    <a:pt x="0" y="766"/>
+                  </a:lnTo>
+                  <a:lnTo>
+                    <a:pt x="682" y="1248"/>
+                  </a:lnTo>
+                  <a:lnTo>
+                    <a:pt x="682" y="1532"/>
+                  </a:lnTo>
+                  <a:lnTo>
+                    <a:pt x="3120" y="1532"/>
+                  </a:lnTo>
+                  <a:lnTo>
+                    <a:pt x="3120" y="1248"/>
+                  </a:lnTo>
+                  <a:lnTo>
+                    <a:pt x="3800" y="766"/>
+                  </a:lnTo>
+                  <a:lnTo>
+                    <a:pt x="3120" y="284"/>
+                  </a:lnTo>
+                  <a:lnTo>
+                    <a:pt x="3120" y="0"/>
+                  </a:lnTo>
+                  <a:close/>
+                </a:path>
+              </a:pathLst>
+            </a:custGeom>
+            <a:solidFill>
+              <a:schemeClr val="bg1">
+                <a:lumMod val="65000"/>
+              </a:schemeClr>
+            </a:solidFill>
+            <a:ln>
+              <a:noFill/>
+            </a:ln>
+          </p:spPr>
+          <p:txBody>
+            <a:bodyPr vert="horz" wrap="square" lIns="91440" tIns="45720" rIns="91440" bIns="45720" numCol="1" anchor="ctr" anchorCtr="0" compatLnSpc="1">
+              <a:prstTxWarp prst="textNoShape">
+                <a:avLst/>
+              </a:prstTxWarp>
+              <a:noAutofit/>
+            </a:bodyPr>
+            <a:lstStyle/>
+            <a:p>
+              <a:pPr algn="ctr"/>
+              <a:endParaRPr lang="zh-CN" altLang="en-US" sz="3200" b="1" dirty="0"/>
+            </a:p>
+          </p:txBody>
+        </p:sp>
+        <p:sp>
+          <p:nvSpPr>
+            <p:cNvPr id="38" name="文本框 37">
+              <a:extLst>
+                <a:ext uri="{FF2B5EF4-FFF2-40B4-BE49-F238E27FC236}">
+                  <a16:creationId xmlns:a16="http://schemas.microsoft.com/office/drawing/2014/main" xmlns="" id="{90EB471E-BA0A-4DA7-8A90-4338725D2B23}"/>
+                </a:ext>
+              </a:extLst>
+            </p:cNvPr>
+            <p:cNvSpPr txBox="1"/>
+            <p:nvPr/>
+          </p:nvSpPr>
+          <p:spPr>
+            <a:xfrm>
+              <a:off x="794494" y="2586037"/>
+              <a:ext cx="212633" cy="245937"/>
+            </a:xfrm>
+            <a:prstGeom prst="rect">
+              <a:avLst/>
+            </a:prstGeom>
+            <a:noFill/>
+          </p:spPr>
+          <p:txBody>
+            <a:bodyPr wrap="none" rtlCol="0" anchor="ctr">
+              <a:noAutofit/>
+            </a:bodyPr>
+            <a:lstStyle/>
+            <a:p>
+              <a:pPr algn="ctr"/>
+              <a:r>
+                <a:rPr lang="en-US" altLang="zh-CN" b="1" dirty="0">
+                  <a:solidFill>
+                    <a:schemeClr val="bg1"/>
+                  </a:solidFill>
+                  <a:latin typeface="微软雅黑" panose="020B0503020204020204" pitchFamily="34" charset="-122"/>
+                  <a:ea typeface="微软雅黑" panose="020B0503020204020204" pitchFamily="34" charset="-122"/>
+                </a:rPr>
+                <a:t>2</a:t>
+              </a:r>
+              <a:endParaRPr lang="zh-CN" altLang="en-US" b="1" dirty="0">
+                <a:solidFill>
+                  <a:schemeClr val="bg1"/>
+                </a:solidFill>
+                <a:latin typeface="微软雅黑" panose="020B0503020204020204" pitchFamily="34" charset="-122"/>
+                <a:ea typeface="微软雅黑" panose="020B0503020204020204" pitchFamily="34" charset="-122"/>
+              </a:endParaRPr>
+            </a:p>
+          </p:txBody>
+        </p:sp>
+      </p:grpSp>
+      <p:cxnSp>
+        <p:nvCxnSpPr>
+          <p:cNvPr id="39" name="直接连接符 38">
+            <a:extLst>
+              <a:ext uri="{FF2B5EF4-FFF2-40B4-BE49-F238E27FC236}">
+                <a16:creationId xmlns:a16="http://schemas.microsoft.com/office/drawing/2014/main" xmlns="" id="{0ACDA1D7-3C99-4C56-9A60-DCC76C4DA153}"/>
+              </a:ext>
+            </a:extLst>
+          </p:cNvPr>
+          <p:cNvCxnSpPr>
+            <a:stCxn id="37" idx="6"/>
+          </p:cNvCxnSpPr>
+          <p:nvPr/>
+        </p:nvCxnSpPr>
+        <p:spPr>
+          <a:xfrm>
+            <a:off x="2534033" y="3036277"/>
+            <a:ext cx="4500000" cy="0"/>
+          </a:xfrm>
+          <a:prstGeom prst="line">
+            <a:avLst/>
+          </a:prstGeom>
+          <a:ln>
+            <a:solidFill>
+              <a:schemeClr val="bg1">
+                <a:lumMod val="65000"/>
+              </a:schemeClr>
+            </a:solidFill>
+          </a:ln>
+        </p:spPr>
+        <p:style>
+          <a:lnRef idx="1">
+            <a:schemeClr val="accent1"/>
+          </a:lnRef>
+          <a:fillRef idx="0">
+            <a:schemeClr val="accent1"/>
+          </a:fillRef>
+          <a:effectRef idx="0">
+            <a:schemeClr val="accent1"/>
+          </a:effectRef>
+          <a:fontRef idx="minor">
+            <a:schemeClr val="tx1"/>
+          </a:fontRef>
+        </p:style>
+      </p:cxnSp>
+      <p:sp>
+        <p:nvSpPr>
+          <p:cNvPr id="40" name="文本框 39">
+            <a:extLst>
+              <a:ext uri="{FF2B5EF4-FFF2-40B4-BE49-F238E27FC236}">
+                <a16:creationId xmlns:a16="http://schemas.microsoft.com/office/drawing/2014/main" xmlns="" id="{BCFB4250-29C0-47C6-AB62-F4F5AB7C902B}"/>
+              </a:ext>
+            </a:extLst>
+          </p:cNvPr>
+          <p:cNvSpPr txBox="1"/>
+          <p:nvPr/>
+        </p:nvSpPr>
+        <p:spPr>
+          <a:xfrm>
+            <a:off x="2915073" y="2599796"/>
+            <a:ext cx="4387392" cy="461665"/>
+          </a:xfrm>
+          <a:prstGeom prst="rect">
+            <a:avLst/>
+          </a:prstGeom>
+          <a:noFill/>
+        </p:spPr>
+        <p:txBody>
+          <a:bodyPr wrap="square" rtlCol="0">
+            <a:spAutoFit/>
+          </a:bodyPr>
+          <a:lstStyle/>
+          <a:p>
+            <a:r>
+              <a:rPr lang="zh-CN" altLang="en-US" sz="2400" dirty="0"/>
+              <a:t>实现算法</a:t>
+            </a:r>
+          </a:p>
+        </p:txBody>
+      </p:sp>
+      <p:grpSp>
+        <p:nvGrpSpPr>
+          <p:cNvPr id="41" name="组合 40">
+            <a:extLst>
+              <a:ext uri="{FF2B5EF4-FFF2-40B4-BE49-F238E27FC236}">
+                <a16:creationId xmlns:a16="http://schemas.microsoft.com/office/drawing/2014/main" xmlns="" id="{22C061F7-35ED-4361-BD3B-1D7F388E713D}"/>
+              </a:ext>
+            </a:extLst>
+          </p:cNvPr>
+          <p:cNvGrpSpPr/>
+          <p:nvPr/>
+        </p:nvGrpSpPr>
+        <p:grpSpPr>
+          <a:xfrm>
+            <a:off x="1841535" y="3989235"/>
+            <a:ext cx="843427" cy="443226"/>
+            <a:chOff x="666810" y="2586037"/>
+            <a:chExt cx="468000" cy="245937"/>
+          </a:xfrm>
+        </p:grpSpPr>
+        <p:sp>
+          <p:nvSpPr>
+            <p:cNvPr id="42" name="Freeform 10">
+              <a:extLst>
+                <a:ext uri="{FF2B5EF4-FFF2-40B4-BE49-F238E27FC236}">
+                  <a16:creationId xmlns:a16="http://schemas.microsoft.com/office/drawing/2014/main" xmlns="" id="{FDB44254-A48C-480D-A4AC-642482B74B80}"/>
+                </a:ext>
+              </a:extLst>
+            </p:cNvPr>
+            <p:cNvSpPr>
+              <a:spLocks/>
+            </p:cNvSpPr>
+            <p:nvPr/>
+          </p:nvSpPr>
+          <p:spPr bwMode="auto">
+            <a:xfrm>
+              <a:off x="666810" y="2621442"/>
+              <a:ext cx="468000" cy="190800"/>
+            </a:xfrm>
+            <a:custGeom>
+              <a:avLst/>
+              <a:gdLst>
+                <a:gd name="T0" fmla="*/ 3120 w 3800"/>
+                <a:gd name="T1" fmla="*/ 0 h 1532"/>
+                <a:gd name="T2" fmla="*/ 682 w 3800"/>
+                <a:gd name="T3" fmla="*/ 0 h 1532"/>
+                <a:gd name="T4" fmla="*/ 682 w 3800"/>
+                <a:gd name="T5" fmla="*/ 284 h 1532"/>
+                <a:gd name="T6" fmla="*/ 0 w 3800"/>
+                <a:gd name="T7" fmla="*/ 766 h 1532"/>
+                <a:gd name="T8" fmla="*/ 682 w 3800"/>
+                <a:gd name="T9" fmla="*/ 1248 h 1532"/>
+                <a:gd name="T10" fmla="*/ 682 w 3800"/>
+                <a:gd name="T11" fmla="*/ 1532 h 1532"/>
+                <a:gd name="T12" fmla="*/ 3120 w 3800"/>
+                <a:gd name="T13" fmla="*/ 1532 h 1532"/>
+                <a:gd name="T14" fmla="*/ 3120 w 3800"/>
+                <a:gd name="T15" fmla="*/ 1248 h 1532"/>
+                <a:gd name="T16" fmla="*/ 3800 w 3800"/>
+                <a:gd name="T17" fmla="*/ 766 h 1532"/>
+                <a:gd name="T18" fmla="*/ 3120 w 3800"/>
+                <a:gd name="T19" fmla="*/ 284 h 1532"/>
+                <a:gd name="T20" fmla="*/ 3120 w 3800"/>
+                <a:gd name="T21" fmla="*/ 0 h 1532"/>
+              </a:gdLst>
+              <a:ahLst/>
+              <a:cxnLst>
+                <a:cxn ang="0">
+                  <a:pos x="T0" y="T1"/>
+                </a:cxn>
+                <a:cxn ang="0">
+                  <a:pos x="T2" y="T3"/>
+                </a:cxn>
+                <a:cxn ang="0">
+                  <a:pos x="T4" y="T5"/>
+                </a:cxn>
+                <a:cxn ang="0">
+                  <a:pos x="T6" y="T7"/>
+                </a:cxn>
+                <a:cxn ang="0">
+                  <a:pos x="T8" y="T9"/>
+                </a:cxn>
+                <a:cxn ang="0">
+                  <a:pos x="T10" y="T11"/>
+                </a:cxn>
+                <a:cxn ang="0">
+                  <a:pos x="T12" y="T13"/>
+                </a:cxn>
+                <a:cxn ang="0">
+                  <a:pos x="T14" y="T15"/>
+                </a:cxn>
+                <a:cxn ang="0">
+                  <a:pos x="T16" y="T17"/>
+                </a:cxn>
+                <a:cxn ang="0">
+                  <a:pos x="T18" y="T19"/>
+                </a:cxn>
+                <a:cxn ang="0">
+                  <a:pos x="T20" y="T21"/>
+                </a:cxn>
+              </a:cxnLst>
+              <a:rect l="0" t="0" r="r" b="b"/>
+              <a:pathLst>
+                <a:path w="3800" h="1532">
+                  <a:moveTo>
+                    <a:pt x="3120" y="0"/>
+                  </a:moveTo>
+                  <a:lnTo>
+                    <a:pt x="682" y="0"/>
+                  </a:lnTo>
+                  <a:lnTo>
+                    <a:pt x="682" y="284"/>
+                  </a:lnTo>
+                  <a:lnTo>
+                    <a:pt x="0" y="766"/>
+                  </a:lnTo>
+                  <a:lnTo>
+                    <a:pt x="682" y="1248"/>
+                  </a:lnTo>
+                  <a:lnTo>
+                    <a:pt x="682" y="1532"/>
+                  </a:lnTo>
+                  <a:lnTo>
+                    <a:pt x="3120" y="1532"/>
+                  </a:lnTo>
+                  <a:lnTo>
+                    <a:pt x="3120" y="1248"/>
+                  </a:lnTo>
+                  <a:lnTo>
+                    <a:pt x="3800" y="766"/>
+                  </a:lnTo>
+                  <a:lnTo>
+                    <a:pt x="3120" y="284"/>
+                  </a:lnTo>
+                  <a:lnTo>
+                    <a:pt x="3120" y="0"/>
+                  </a:lnTo>
+                  <a:close/>
+                </a:path>
+              </a:pathLst>
+            </a:custGeom>
+            <a:solidFill>
+              <a:srgbClr val="004098"/>
+            </a:solidFill>
+            <a:ln>
+              <a:noFill/>
+            </a:ln>
+          </p:spPr>
+          <p:txBody>
+            <a:bodyPr vert="horz" wrap="square" lIns="91440" tIns="45720" rIns="91440" bIns="45720" numCol="1" anchor="ctr" anchorCtr="0" compatLnSpc="1">
+              <a:prstTxWarp prst="textNoShape">
+                <a:avLst/>
+              </a:prstTxWarp>
+              <a:noAutofit/>
+            </a:bodyPr>
+            <a:lstStyle/>
+            <a:p>
+              <a:pPr algn="ctr"/>
+              <a:endParaRPr lang="zh-CN" altLang="en-US" sz="3200" b="1" dirty="0"/>
+            </a:p>
+          </p:txBody>
+        </p:sp>
+        <p:sp>
+          <p:nvSpPr>
+            <p:cNvPr id="43" name="文本框 42">
+              <a:extLst>
+                <a:ext uri="{FF2B5EF4-FFF2-40B4-BE49-F238E27FC236}">
+                  <a16:creationId xmlns:a16="http://schemas.microsoft.com/office/drawing/2014/main" xmlns="" id="{D0A8A38F-20D7-467C-A58A-D5E9653E8AC7}"/>
+                </a:ext>
+              </a:extLst>
+            </p:cNvPr>
+            <p:cNvSpPr txBox="1"/>
+            <p:nvPr/>
+          </p:nvSpPr>
+          <p:spPr>
+            <a:xfrm>
+              <a:off x="794494" y="2586037"/>
+              <a:ext cx="212633" cy="245937"/>
+            </a:xfrm>
+            <a:prstGeom prst="rect">
+              <a:avLst/>
+            </a:prstGeom>
+            <a:noFill/>
+          </p:spPr>
+          <p:txBody>
+            <a:bodyPr wrap="none" rtlCol="0" anchor="ctr">
+              <a:noAutofit/>
+            </a:bodyPr>
+            <a:lstStyle/>
+            <a:p>
+              <a:pPr algn="ctr"/>
+              <a:r>
+                <a:rPr lang="en-US" altLang="zh-CN" b="1" dirty="0">
+                  <a:solidFill>
+                    <a:schemeClr val="bg1"/>
+                  </a:solidFill>
+                  <a:latin typeface="微软雅黑" panose="020B0503020204020204" pitchFamily="34" charset="-122"/>
+                  <a:ea typeface="微软雅黑" panose="020B0503020204020204" pitchFamily="34" charset="-122"/>
+                </a:rPr>
+                <a:t>3</a:t>
+              </a:r>
+              <a:endParaRPr lang="zh-CN" altLang="en-US" b="1" dirty="0">
+                <a:solidFill>
+                  <a:schemeClr val="bg1"/>
+                </a:solidFill>
+                <a:latin typeface="微软雅黑" panose="020B0503020204020204" pitchFamily="34" charset="-122"/>
+                <a:ea typeface="微软雅黑" panose="020B0503020204020204" pitchFamily="34" charset="-122"/>
+              </a:endParaRPr>
+            </a:p>
+          </p:txBody>
+        </p:sp>
+      </p:grpSp>
+      <p:cxnSp>
+        <p:nvCxnSpPr>
+          <p:cNvPr id="44" name="直接连接符 43">
+            <a:extLst>
+              <a:ext uri="{FF2B5EF4-FFF2-40B4-BE49-F238E27FC236}">
+                <a16:creationId xmlns:a16="http://schemas.microsoft.com/office/drawing/2014/main" xmlns="" id="{36BD1FD9-5E89-4B0B-9FB5-2BE069F1FAF4}"/>
+              </a:ext>
+            </a:extLst>
+          </p:cNvPr>
+          <p:cNvCxnSpPr>
+            <a:stCxn id="42" idx="6"/>
+          </p:cNvCxnSpPr>
+          <p:nvPr/>
+        </p:nvCxnSpPr>
+        <p:spPr>
+          <a:xfrm>
+            <a:off x="2534033" y="4396900"/>
+            <a:ext cx="4500000" cy="0"/>
+          </a:xfrm>
+          <a:prstGeom prst="line">
+            <a:avLst/>
+          </a:prstGeom>
+          <a:ln>
+            <a:solidFill>
+              <a:srgbClr val="004098"/>
+            </a:solidFill>
+          </a:ln>
+        </p:spPr>
+        <p:style>
+          <a:lnRef idx="1">
+            <a:schemeClr val="accent1"/>
+          </a:lnRef>
+          <a:fillRef idx="0">
+            <a:schemeClr val="accent1"/>
+          </a:fillRef>
+          <a:effectRef idx="0">
+            <a:schemeClr val="accent1"/>
+          </a:effectRef>
+          <a:fontRef idx="minor">
+            <a:schemeClr val="tx1"/>
+          </a:fontRef>
+        </p:style>
+      </p:cxnSp>
+      <p:sp>
+        <p:nvSpPr>
+          <p:cNvPr id="45" name="文本框 44">
+            <a:extLst>
+              <a:ext uri="{FF2B5EF4-FFF2-40B4-BE49-F238E27FC236}">
+                <a16:creationId xmlns:a16="http://schemas.microsoft.com/office/drawing/2014/main" xmlns="" id="{C535113B-0479-4DBB-ABCC-FE22F8FF7799}"/>
+              </a:ext>
+            </a:extLst>
+          </p:cNvPr>
+          <p:cNvSpPr txBox="1"/>
+          <p:nvPr/>
+        </p:nvSpPr>
+        <p:spPr>
+          <a:xfrm>
+            <a:off x="2915073" y="3960419"/>
+            <a:ext cx="4387392" cy="461665"/>
+          </a:xfrm>
+          <a:prstGeom prst="rect">
+            <a:avLst/>
+          </a:prstGeom>
+          <a:noFill/>
+        </p:spPr>
+        <p:txBody>
+          <a:bodyPr wrap="square" rtlCol="0">
+            <a:spAutoFit/>
+          </a:bodyPr>
+          <a:lstStyle/>
+          <a:p>
+            <a:r>
+              <a:rPr lang="zh-CN" altLang="en-US" sz="2400" dirty="0"/>
+              <a:t>结果分析</a:t>
+            </a:r>
+          </a:p>
+        </p:txBody>
+      </p:sp>
+    </p:spTree>
+    <p:extLst>
+      <p:ext uri="{BB962C8B-B14F-4D97-AF65-F5344CB8AC3E}">
+        <p14:creationId xmlns:p14="http://schemas.microsoft.com/office/powerpoint/2010/main" xmlns="" val="2763691854"/>
+      </p:ext>
+    </p:extLst>
+  </p:cSld>
+  <p:clrMapOvr>
+    <a:masterClrMapping/>
+  </p:clrMapOvr>
+  <mc:AlternateContent xmlns:mc="http://schemas.openxmlformats.org/markup-compatibility/2006">
+    <mc:Choice xmlns:p14="http://schemas.microsoft.com/office/powerpoint/2010/main" xmlns="" Requires="p14">
+      <p:transition p14:dur="10"/>
+    </mc:Choice>
+    <mc:Fallback>
+      <p:transition/>
+    </mc:Fallback>
+  </mc:AlternateContent>
+</p:sld>
+</file>
+
+<file path=ppt/slides/slide12.xml><?xml version="1.0" encoding="utf-8"?>
+<p:sld xmlns:a="http://schemas.openxmlformats.org/drawingml/2006/main" xmlns:r="http://schemas.openxmlformats.org/officeDocument/2006/relationships" xmlns:p="http://schemas.openxmlformats.org/presentationml/2006/main">
+  <p:cSld>
+    <p:spTree>
+      <p:nvGrpSpPr>
+        <p:cNvPr id="1" name=""/>
+        <p:cNvGrpSpPr/>
+        <p:nvPr/>
+      </p:nvGrpSpPr>
+      <p:grpSpPr>
+        <a:xfrm>
+          <a:off x="0" y="0"/>
+          <a:ext cx="0" cy="0"/>
+          <a:chOff x="0" y="0"/>
+          <a:chExt cx="0" cy="0"/>
+        </a:xfrm>
+      </p:grpSpPr>
+      <p:sp>
+        <p:nvSpPr>
+          <p:cNvPr id="4" name="内容占位符 3"/>
+          <p:cNvSpPr>
+            <a:spLocks noGrp="1"/>
+          </p:cNvSpPr>
+          <p:nvPr>
+            <p:ph sz="quarter" idx="10"/>
+          </p:nvPr>
+        </p:nvSpPr>
+        <p:spPr>
+          <a:xfrm>
+            <a:off x="494025" y="1685678"/>
+            <a:ext cx="3373125" cy="4921498"/>
+          </a:xfrm>
+        </p:spPr>
+        <p:txBody>
+          <a:bodyPr/>
+          <a:lstStyle/>
+          <a:p>
+            <a:pPr>
+              <a:lnSpc>
+                <a:spcPct val="150000"/>
+              </a:lnSpc>
+            </a:pPr>
+            <a:r>
+              <a:rPr lang="zh-CN" altLang="en-US" dirty="0"/>
+              <a:t>检测的十张图片全部都能正确检测出图片的形态信息，并且能够根据检测结果得出图像中心点坐标。</a:t>
+            </a:r>
+            <a:endParaRPr lang="en-US" altLang="zh-CN" dirty="0"/>
+          </a:p>
+          <a:p>
+            <a:pPr>
+              <a:lnSpc>
+                <a:spcPct val="150000"/>
+              </a:lnSpc>
+            </a:pPr>
+            <a:endParaRPr lang="en-US" altLang="zh-CN" dirty="0"/>
+          </a:p>
+          <a:p>
+            <a:pPr>
+              <a:lnSpc>
+                <a:spcPct val="150000"/>
+              </a:lnSpc>
+            </a:pPr>
+            <a:r>
+              <a:rPr lang="zh-CN" altLang="en-US" dirty="0"/>
+              <a:t>能够根据颜色识别侧面的瓶盖信息</a:t>
+            </a:r>
+            <a:endParaRPr lang="en-US" altLang="zh-CN" dirty="0"/>
+          </a:p>
+          <a:p>
+            <a:pPr>
+              <a:lnSpc>
+                <a:spcPct val="150000"/>
+              </a:lnSpc>
+            </a:pPr>
+            <a:endParaRPr lang="en-US" altLang="zh-CN" dirty="0"/>
+          </a:p>
+          <a:p>
+            <a:pPr>
+              <a:lnSpc>
+                <a:spcPct val="150000"/>
+              </a:lnSpc>
+            </a:pPr>
+            <a:endParaRPr lang="en-US" altLang="zh-CN" dirty="0"/>
+          </a:p>
+        </p:txBody>
+      </p:sp>
+      <p:sp>
+        <p:nvSpPr>
+          <p:cNvPr id="3" name="标题 2"/>
+          <p:cNvSpPr>
+            <a:spLocks noGrp="1"/>
+          </p:cNvSpPr>
+          <p:nvPr>
+            <p:ph type="title"/>
+          </p:nvPr>
+        </p:nvSpPr>
+        <p:spPr/>
+        <p:txBody>
+          <a:bodyPr/>
+          <a:lstStyle/>
+          <a:p>
+            <a:r>
+              <a:rPr lang="zh-CN" altLang="en-US" dirty="0"/>
+              <a:t>结果分析</a:t>
+            </a:r>
+          </a:p>
+        </p:txBody>
+      </p:sp>
+      <p:pic>
+        <p:nvPicPr>
+          <p:cNvPr id="2" name="图片 1">
+            <a:extLst>
+              <a:ext uri="{FF2B5EF4-FFF2-40B4-BE49-F238E27FC236}">
+                <a16:creationId xmlns:a16="http://schemas.microsoft.com/office/drawing/2014/main" xmlns="" id="{3502DC42-81FE-4349-9DDF-85A0A5763956}"/>
+              </a:ext>
+            </a:extLst>
+          </p:cNvPr>
+          <p:cNvPicPr>
+            <a:picLocks noChangeAspect="1"/>
+          </p:cNvPicPr>
+          <p:nvPr/>
+        </p:nvPicPr>
+        <p:blipFill>
+          <a:blip r:embed="rId2" cstate="print"/>
+          <a:stretch>
+            <a:fillRect/>
+          </a:stretch>
+        </p:blipFill>
+        <p:spPr>
+          <a:xfrm>
+            <a:off x="3867150" y="1548460"/>
+            <a:ext cx="5276850" cy="4419600"/>
+          </a:xfrm>
+          <a:prstGeom prst="rect">
+            <a:avLst/>
+          </a:prstGeom>
+        </p:spPr>
+      </p:pic>
+    </p:spTree>
+    <p:extLst>
+      <p:ext uri="{BB962C8B-B14F-4D97-AF65-F5344CB8AC3E}">
+        <p14:creationId xmlns:p14="http://schemas.microsoft.com/office/powerpoint/2010/main" xmlns="" val="2176958427"/>
+      </p:ext>
+    </p:extLst>
+  </p:cSld>
+  <p:clrMapOvr>
+    <a:masterClrMapping/>
+  </p:clrMapOvr>
+</p:sld>
+</file>
+
+<file path=ppt/slides/slide13.xml><?xml version="1.0" encoding="utf-8"?>
+<p:sld xmlns:a="http://schemas.openxmlformats.org/drawingml/2006/main" xmlns:r="http://schemas.openxmlformats.org/officeDocument/2006/relationships" xmlns:p="http://schemas.openxmlformats.org/presentationml/2006/main">
+  <p:cSld>
+    <p:spTree>
+      <p:nvGrpSpPr>
+        <p:cNvPr id="1" name=""/>
+        <p:cNvGrpSpPr/>
+        <p:nvPr/>
+      </p:nvGrpSpPr>
+      <p:grpSpPr>
+        <a:xfrm>
+          <a:off x="0" y="0"/>
+          <a:ext cx="0" cy="0"/>
+          <a:chOff x="0" y="0"/>
+          <a:chExt cx="0" cy="0"/>
+        </a:xfrm>
+      </p:grpSpPr>
+      <p:sp>
+        <p:nvSpPr>
+          <p:cNvPr id="4" name="内容占位符 3"/>
+          <p:cNvSpPr>
+            <a:spLocks noGrp="1"/>
+          </p:cNvSpPr>
+          <p:nvPr>
+            <p:ph sz="quarter" idx="10"/>
+          </p:nvPr>
+        </p:nvSpPr>
+        <p:spPr>
+          <a:xfrm>
+            <a:off x="494025" y="1685678"/>
+            <a:ext cx="8372162" cy="4921498"/>
+          </a:xfrm>
+        </p:spPr>
+        <p:txBody>
+          <a:bodyPr/>
+          <a:lstStyle/>
+          <a:p>
+            <a:pPr>
+              <a:lnSpc>
+                <a:spcPct val="150000"/>
+              </a:lnSpc>
+            </a:pPr>
+            <a:r>
+              <a:rPr lang="zh-CN" altLang="en-US" dirty="0"/>
+              <a:t>美中不足：</a:t>
+            </a:r>
+            <a:endParaRPr lang="en-US" altLang="zh-CN" dirty="0"/>
+          </a:p>
+          <a:p>
+            <a:pPr>
+              <a:lnSpc>
+                <a:spcPct val="150000"/>
+              </a:lnSpc>
+            </a:pPr>
+            <a:r>
+              <a:rPr lang="zh-CN" altLang="en-US" dirty="0"/>
+              <a:t>模板检测方法的局限性，加入新的瓶盖需要新录入模板</a:t>
+            </a:r>
+            <a:endParaRPr lang="en-US" altLang="zh-CN" dirty="0"/>
+          </a:p>
+          <a:p>
+            <a:pPr>
+              <a:lnSpc>
+                <a:spcPct val="150000"/>
+              </a:lnSpc>
+            </a:pPr>
+            <a:endParaRPr lang="en-US" altLang="zh-CN" dirty="0"/>
+          </a:p>
+          <a:p>
+            <a:pPr>
+              <a:lnSpc>
+                <a:spcPct val="150000"/>
+              </a:lnSpc>
+            </a:pPr>
+            <a:r>
+              <a:rPr lang="zh-CN" altLang="en-US" dirty="0"/>
+              <a:t>考虑到瓶盖分拣的具体工业用途：分拣特定几种瓶盖，所以缺陷可以接受。</a:t>
+            </a:r>
+            <a:endParaRPr lang="en-US" altLang="zh-CN" dirty="0"/>
+          </a:p>
+          <a:p>
+            <a:pPr>
+              <a:lnSpc>
+                <a:spcPct val="150000"/>
+              </a:lnSpc>
+            </a:pPr>
+            <a:endParaRPr lang="en-US" altLang="zh-CN" dirty="0"/>
+          </a:p>
+        </p:txBody>
+      </p:sp>
+      <p:sp>
+        <p:nvSpPr>
+          <p:cNvPr id="3" name="标题 2"/>
+          <p:cNvSpPr>
+            <a:spLocks noGrp="1"/>
+          </p:cNvSpPr>
+          <p:nvPr>
+            <p:ph type="title"/>
+          </p:nvPr>
+        </p:nvSpPr>
+        <p:spPr/>
+        <p:txBody>
+          <a:bodyPr/>
+          <a:lstStyle/>
+          <a:p>
+            <a:r>
+              <a:rPr lang="zh-CN" altLang="en-US" dirty="0"/>
+              <a:t>结果分析</a:t>
+            </a:r>
+          </a:p>
+        </p:txBody>
+      </p:sp>
+    </p:spTree>
+    <p:extLst>
+      <p:ext uri="{BB962C8B-B14F-4D97-AF65-F5344CB8AC3E}">
+        <p14:creationId xmlns:p14="http://schemas.microsoft.com/office/powerpoint/2010/main" xmlns="" val="1682687890"/>
+      </p:ext>
+    </p:extLst>
+  </p:cSld>
+  <p:clrMapOvr>
+    <a:masterClrMapping/>
+  </p:clrMapOvr>
+</p:sld>
+</file>
+
+<file path=ppt/slides/slide14.xml><?xml version="1.0" encoding="utf-8"?>
 <p:sld xmlns:a="http://schemas.openxmlformats.org/drawingml/2006/main" xmlns:r="http://schemas.openxmlformats.org/officeDocument/2006/relationships" xmlns:p="http://schemas.openxmlformats.org/presentationml/2006/main">
   <p:cSld>
     <p:spTree>
@@ -7334,7 +8649,7 @@
     </p:spTree>
     <p:extLst>
       <p:ext uri="{BB962C8B-B14F-4D97-AF65-F5344CB8AC3E}">
-        <p14:creationId xmlns:p14="http://schemas.microsoft.com/office/powerpoint/2010/main" val="1362973645"/>
+        <p14:creationId xmlns:p14="http://schemas.microsoft.com/office/powerpoint/2010/main" xmlns="" val="1362973645"/>
       </p:ext>
     </p:extLst>
   </p:cSld>
@@ -7443,7 +8758,7 @@
     </p:spTree>
     <p:extLst>
       <p:ext uri="{BB962C8B-B14F-4D97-AF65-F5344CB8AC3E}">
-        <p14:creationId xmlns:p14="http://schemas.microsoft.com/office/powerpoint/2010/main" val="2049770824"/>
+        <p14:creationId xmlns:p14="http://schemas.microsoft.com/office/powerpoint/2010/main" xmlns="" val="2049770824"/>
       </p:ext>
     </p:extLst>
   </p:cSld>
@@ -7533,7 +8848,7 @@
             <p:cNvSpPr>
               <a:spLocks/>
             </p:cNvSpPr>
-            <p:nvPr userDrawn="1"/>
+            <p:nvPr/>
           </p:nvSpPr>
           <p:spPr bwMode="auto">
             <a:xfrm>
@@ -7667,7 +8982,7 @@
           <p:nvSpPr>
             <p:cNvPr id="5" name="文本框 4"/>
             <p:cNvSpPr txBox="1"/>
-            <p:nvPr userDrawn="1"/>
+            <p:nvPr/>
           </p:nvSpPr>
           <p:spPr>
             <a:xfrm>
@@ -7793,7 +9108,7 @@
             <p:cNvSpPr>
               <a:spLocks/>
             </p:cNvSpPr>
-            <p:nvPr userDrawn="1"/>
+            <p:nvPr/>
           </p:nvSpPr>
           <p:spPr bwMode="auto">
             <a:xfrm>
@@ -7927,7 +9242,7 @@
           <p:nvSpPr>
             <p:cNvPr id="14" name="文本框 13"/>
             <p:cNvSpPr txBox="1"/>
-            <p:nvPr userDrawn="1"/>
+            <p:nvPr/>
           </p:nvSpPr>
           <p:spPr>
             <a:xfrm>
@@ -8053,7 +9368,7 @@
             <p:cNvSpPr>
               <a:spLocks/>
             </p:cNvSpPr>
-            <p:nvPr userDrawn="1"/>
+            <p:nvPr/>
           </p:nvSpPr>
           <p:spPr bwMode="auto">
             <a:xfrm>
@@ -8187,7 +9502,7 @@
           <p:nvSpPr>
             <p:cNvPr id="19" name="文本框 18"/>
             <p:cNvSpPr txBox="1"/>
-            <p:nvPr userDrawn="1"/>
+            <p:nvPr/>
           </p:nvSpPr>
           <p:spPr>
             <a:xfrm>
@@ -8296,7 +9611,7 @@
     </p:spTree>
     <p:extLst>
       <p:ext uri="{BB962C8B-B14F-4D97-AF65-F5344CB8AC3E}">
-        <p14:creationId xmlns:p14="http://schemas.microsoft.com/office/powerpoint/2010/main" val="3155251148"/>
+        <p14:creationId xmlns:p14="http://schemas.microsoft.com/office/powerpoint/2010/main" xmlns="" val="3155251148"/>
       </p:ext>
     </p:extLst>
   </p:cSld>
@@ -8369,7 +9684,7 @@
           <p:cNvPr id="27" name="组合 26">
             <a:extLst>
               <a:ext uri="{FF2B5EF4-FFF2-40B4-BE49-F238E27FC236}">
-                <a16:creationId xmlns:a16="http://schemas.microsoft.com/office/drawing/2014/main" id="{BD047CD5-4C5C-4762-AADE-57F799577979}"/>
+                <a16:creationId xmlns:a16="http://schemas.microsoft.com/office/drawing/2014/main" xmlns="" id="{BD047CD5-4C5C-4762-AADE-57F799577979}"/>
               </a:ext>
             </a:extLst>
           </p:cNvPr>
@@ -8389,14 +9704,14 @@
             <p:cNvPr id="28" name="Freeform 10">
               <a:extLst>
                 <a:ext uri="{FF2B5EF4-FFF2-40B4-BE49-F238E27FC236}">
-                  <a16:creationId xmlns:a16="http://schemas.microsoft.com/office/drawing/2014/main" id="{8B2167EC-56CF-4B70-A775-2D642E546D8F}"/>
+                  <a16:creationId xmlns:a16="http://schemas.microsoft.com/office/drawing/2014/main" xmlns="" id="{8B2167EC-56CF-4B70-A775-2D642E546D8F}"/>
                 </a:ext>
               </a:extLst>
             </p:cNvPr>
             <p:cNvSpPr>
               <a:spLocks/>
             </p:cNvSpPr>
-            <p:nvPr userDrawn="1"/>
+            <p:nvPr/>
           </p:nvSpPr>
           <p:spPr bwMode="auto">
             <a:xfrm>
@@ -8531,12 +9846,12 @@
             <p:cNvPr id="29" name="文本框 28">
               <a:extLst>
                 <a:ext uri="{FF2B5EF4-FFF2-40B4-BE49-F238E27FC236}">
-                  <a16:creationId xmlns:a16="http://schemas.microsoft.com/office/drawing/2014/main" id="{B8327F81-6339-4F96-86FB-23B9A3BA6604}"/>
+                  <a16:creationId xmlns:a16="http://schemas.microsoft.com/office/drawing/2014/main" xmlns="" id="{B8327F81-6339-4F96-86FB-23B9A3BA6604}"/>
                 </a:ext>
               </a:extLst>
             </p:cNvPr>
             <p:cNvSpPr txBox="1"/>
-            <p:nvPr userDrawn="1"/>
+            <p:nvPr/>
           </p:nvSpPr>
           <p:spPr>
             <a:xfrm>
@@ -8581,7 +9896,7 @@
           <p:cNvPr id="30" name="直接连接符 29">
             <a:extLst>
               <a:ext uri="{FF2B5EF4-FFF2-40B4-BE49-F238E27FC236}">
-                <a16:creationId xmlns:a16="http://schemas.microsoft.com/office/drawing/2014/main" id="{0D1123DB-D158-41F5-B30C-C5A036654224}"/>
+                <a16:creationId xmlns:a16="http://schemas.microsoft.com/office/drawing/2014/main" xmlns="" id="{0D1123DB-D158-41F5-B30C-C5A036654224}"/>
               </a:ext>
             </a:extLst>
           </p:cNvPr>
@@ -8624,7 +9939,7 @@
           <p:cNvPr id="31" name="文本框 30">
             <a:extLst>
               <a:ext uri="{FF2B5EF4-FFF2-40B4-BE49-F238E27FC236}">
-                <a16:creationId xmlns:a16="http://schemas.microsoft.com/office/drawing/2014/main" id="{2BE1D157-F766-43FD-BBEB-5DD3981F14E6}"/>
+                <a16:creationId xmlns:a16="http://schemas.microsoft.com/office/drawing/2014/main" xmlns="" id="{2BE1D157-F766-43FD-BBEB-5DD3981F14E6}"/>
               </a:ext>
             </a:extLst>
           </p:cNvPr>
@@ -8659,7 +9974,7 @@
           <p:cNvPr id="32" name="组合 31">
             <a:extLst>
               <a:ext uri="{FF2B5EF4-FFF2-40B4-BE49-F238E27FC236}">
-                <a16:creationId xmlns:a16="http://schemas.microsoft.com/office/drawing/2014/main" id="{CF663C2E-017F-4648-A214-12B8DC96D72E}"/>
+                <a16:creationId xmlns:a16="http://schemas.microsoft.com/office/drawing/2014/main" xmlns="" id="{CF663C2E-017F-4648-A214-12B8DC96D72E}"/>
               </a:ext>
             </a:extLst>
           </p:cNvPr>
@@ -8679,14 +9994,14 @@
             <p:cNvPr id="37" name="Freeform 10">
               <a:extLst>
                 <a:ext uri="{FF2B5EF4-FFF2-40B4-BE49-F238E27FC236}">
-                  <a16:creationId xmlns:a16="http://schemas.microsoft.com/office/drawing/2014/main" id="{A3180814-703B-4106-A112-F8BF5802DB38}"/>
+                  <a16:creationId xmlns:a16="http://schemas.microsoft.com/office/drawing/2014/main" xmlns="" id="{A3180814-703B-4106-A112-F8BF5802DB38}"/>
                 </a:ext>
               </a:extLst>
             </p:cNvPr>
             <p:cNvSpPr>
               <a:spLocks/>
             </p:cNvSpPr>
-            <p:nvPr userDrawn="1"/>
+            <p:nvPr/>
           </p:nvSpPr>
           <p:spPr bwMode="auto">
             <a:xfrm>
@@ -8823,12 +10138,12 @@
             <p:cNvPr id="38" name="文本框 37">
               <a:extLst>
                 <a:ext uri="{FF2B5EF4-FFF2-40B4-BE49-F238E27FC236}">
-                  <a16:creationId xmlns:a16="http://schemas.microsoft.com/office/drawing/2014/main" id="{90EB471E-BA0A-4DA7-8A90-4338725D2B23}"/>
+                  <a16:creationId xmlns:a16="http://schemas.microsoft.com/office/drawing/2014/main" xmlns="" id="{90EB471E-BA0A-4DA7-8A90-4338725D2B23}"/>
                 </a:ext>
               </a:extLst>
             </p:cNvPr>
             <p:cNvSpPr txBox="1"/>
-            <p:nvPr userDrawn="1"/>
+            <p:nvPr/>
           </p:nvSpPr>
           <p:spPr>
             <a:xfrm>
@@ -8873,7 +10188,7 @@
           <p:cNvPr id="39" name="直接连接符 38">
             <a:extLst>
               <a:ext uri="{FF2B5EF4-FFF2-40B4-BE49-F238E27FC236}">
-                <a16:creationId xmlns:a16="http://schemas.microsoft.com/office/drawing/2014/main" id="{0ACDA1D7-3C99-4C56-9A60-DCC76C4DA153}"/>
+                <a16:creationId xmlns:a16="http://schemas.microsoft.com/office/drawing/2014/main" xmlns="" id="{0ACDA1D7-3C99-4C56-9A60-DCC76C4DA153}"/>
               </a:ext>
             </a:extLst>
           </p:cNvPr>
@@ -8918,7 +10233,7 @@
           <p:cNvPr id="40" name="文本框 39">
             <a:extLst>
               <a:ext uri="{FF2B5EF4-FFF2-40B4-BE49-F238E27FC236}">
-                <a16:creationId xmlns:a16="http://schemas.microsoft.com/office/drawing/2014/main" id="{BCFB4250-29C0-47C6-AB62-F4F5AB7C902B}"/>
+                <a16:creationId xmlns:a16="http://schemas.microsoft.com/office/drawing/2014/main" xmlns="" id="{BCFB4250-29C0-47C6-AB62-F4F5AB7C902B}"/>
               </a:ext>
             </a:extLst>
           </p:cNvPr>
@@ -8953,7 +10268,7 @@
           <p:cNvPr id="41" name="组合 40">
             <a:extLst>
               <a:ext uri="{FF2B5EF4-FFF2-40B4-BE49-F238E27FC236}">
-                <a16:creationId xmlns:a16="http://schemas.microsoft.com/office/drawing/2014/main" id="{22C061F7-35ED-4361-BD3B-1D7F388E713D}"/>
+                <a16:creationId xmlns:a16="http://schemas.microsoft.com/office/drawing/2014/main" xmlns="" id="{22C061F7-35ED-4361-BD3B-1D7F388E713D}"/>
               </a:ext>
             </a:extLst>
           </p:cNvPr>
@@ -8973,14 +10288,14 @@
             <p:cNvPr id="42" name="Freeform 10">
               <a:extLst>
                 <a:ext uri="{FF2B5EF4-FFF2-40B4-BE49-F238E27FC236}">
-                  <a16:creationId xmlns:a16="http://schemas.microsoft.com/office/drawing/2014/main" id="{FDB44254-A48C-480D-A4AC-642482B74B80}"/>
+                  <a16:creationId xmlns:a16="http://schemas.microsoft.com/office/drawing/2014/main" xmlns="" id="{FDB44254-A48C-480D-A4AC-642482B74B80}"/>
                 </a:ext>
               </a:extLst>
             </p:cNvPr>
             <p:cNvSpPr>
               <a:spLocks/>
             </p:cNvSpPr>
-            <p:nvPr userDrawn="1"/>
+            <p:nvPr/>
           </p:nvSpPr>
           <p:spPr bwMode="auto">
             <a:xfrm>
@@ -9117,12 +10432,12 @@
             <p:cNvPr id="43" name="文本框 42">
               <a:extLst>
                 <a:ext uri="{FF2B5EF4-FFF2-40B4-BE49-F238E27FC236}">
-                  <a16:creationId xmlns:a16="http://schemas.microsoft.com/office/drawing/2014/main" id="{D0A8A38F-20D7-467C-A58A-D5E9653E8AC7}"/>
+                  <a16:creationId xmlns:a16="http://schemas.microsoft.com/office/drawing/2014/main" xmlns="" id="{D0A8A38F-20D7-467C-A58A-D5E9653E8AC7}"/>
                 </a:ext>
               </a:extLst>
             </p:cNvPr>
             <p:cNvSpPr txBox="1"/>
-            <p:nvPr userDrawn="1"/>
+            <p:nvPr/>
           </p:nvSpPr>
           <p:spPr>
             <a:xfrm>
@@ -9167,7 +10482,7 @@
           <p:cNvPr id="44" name="直接连接符 43">
             <a:extLst>
               <a:ext uri="{FF2B5EF4-FFF2-40B4-BE49-F238E27FC236}">
-                <a16:creationId xmlns:a16="http://schemas.microsoft.com/office/drawing/2014/main" id="{36BD1FD9-5E89-4B0B-9FB5-2BE069F1FAF4}"/>
+                <a16:creationId xmlns:a16="http://schemas.microsoft.com/office/drawing/2014/main" xmlns="" id="{36BD1FD9-5E89-4B0B-9FB5-2BE069F1FAF4}"/>
               </a:ext>
             </a:extLst>
           </p:cNvPr>
@@ -9212,7 +10527,7 @@
           <p:cNvPr id="45" name="文本框 44">
             <a:extLst>
               <a:ext uri="{FF2B5EF4-FFF2-40B4-BE49-F238E27FC236}">
-                <a16:creationId xmlns:a16="http://schemas.microsoft.com/office/drawing/2014/main" id="{C535113B-0479-4DBB-ABCC-FE22F8FF7799}"/>
+                <a16:creationId xmlns:a16="http://schemas.microsoft.com/office/drawing/2014/main" xmlns="" id="{C535113B-0479-4DBB-ABCC-FE22F8FF7799}"/>
               </a:ext>
             </a:extLst>
           </p:cNvPr>
@@ -9245,18 +10560,18 @@
     </p:spTree>
     <p:extLst>
       <p:ext uri="{BB962C8B-B14F-4D97-AF65-F5344CB8AC3E}">
-        <p14:creationId xmlns:p14="http://schemas.microsoft.com/office/powerpoint/2010/main" val="1846209069"/>
+        <p14:creationId xmlns:p14="http://schemas.microsoft.com/office/powerpoint/2010/main" xmlns="" val="1846209069"/>
       </p:ext>
     </p:extLst>
   </p:cSld>
   <p:clrMapOvr>
     <a:masterClrMapping/>
   </p:clrMapOvr>
-  <mc:AlternateContent xmlns:mc="http://schemas.openxmlformats.org/markup-compatibility/2006" xmlns:p14="http://schemas.microsoft.com/office/powerpoint/2010/main">
-    <mc:Choice Requires="p14">
+  <mc:AlternateContent xmlns:mc="http://schemas.openxmlformats.org/markup-compatibility/2006">
+    <mc:Choice xmlns:p14="http://schemas.microsoft.com/office/powerpoint/2010/main" xmlns="" Requires="p14">
       <p:transition p14:dur="10"/>
     </mc:Choice>
-    <mc:Fallback xmlns="">
+    <mc:Fallback>
       <p:transition/>
     </mc:Fallback>
   </mc:AlternateContent>
@@ -9383,7 +10698,7 @@
     </p:spTree>
     <p:extLst>
       <p:ext uri="{BB962C8B-B14F-4D97-AF65-F5344CB8AC3E}">
-        <p14:creationId xmlns:p14="http://schemas.microsoft.com/office/powerpoint/2010/main" val="233054111"/>
+        <p14:creationId xmlns:p14="http://schemas.microsoft.com/office/powerpoint/2010/main" xmlns="" val="233054111"/>
       </p:ext>
     </p:extLst>
   </p:cSld>
@@ -9583,7 +10898,7 @@
     </p:spTree>
     <p:extLst>
       <p:ext uri="{BB962C8B-B14F-4D97-AF65-F5344CB8AC3E}">
-        <p14:creationId xmlns:p14="http://schemas.microsoft.com/office/powerpoint/2010/main" val="1914326087"/>
+        <p14:creationId xmlns:p14="http://schemas.microsoft.com/office/powerpoint/2010/main" xmlns="" val="1914326087"/>
       </p:ext>
     </p:extLst>
   </p:cSld>
@@ -9653,7 +10968,7 @@
           <p:cNvPr id="27" name="组合 26">
             <a:extLst>
               <a:ext uri="{FF2B5EF4-FFF2-40B4-BE49-F238E27FC236}">
-                <a16:creationId xmlns:a16="http://schemas.microsoft.com/office/drawing/2014/main" id="{BD047CD5-4C5C-4762-AADE-57F799577979}"/>
+                <a16:creationId xmlns:a16="http://schemas.microsoft.com/office/drawing/2014/main" xmlns="" id="{BD047CD5-4C5C-4762-AADE-57F799577979}"/>
               </a:ext>
             </a:extLst>
           </p:cNvPr>
@@ -9673,14 +10988,14 @@
             <p:cNvPr id="28" name="Freeform 10">
               <a:extLst>
                 <a:ext uri="{FF2B5EF4-FFF2-40B4-BE49-F238E27FC236}">
-                  <a16:creationId xmlns:a16="http://schemas.microsoft.com/office/drawing/2014/main" id="{8B2167EC-56CF-4B70-A775-2D642E546D8F}"/>
+                  <a16:creationId xmlns:a16="http://schemas.microsoft.com/office/drawing/2014/main" xmlns="" id="{8B2167EC-56CF-4B70-A775-2D642E546D8F}"/>
                 </a:ext>
               </a:extLst>
             </p:cNvPr>
             <p:cNvSpPr>
               <a:spLocks/>
             </p:cNvSpPr>
-            <p:nvPr userDrawn="1"/>
+            <p:nvPr/>
           </p:nvSpPr>
           <p:spPr bwMode="auto">
             <a:xfrm>
@@ -9817,12 +11132,12 @@
             <p:cNvPr id="29" name="文本框 28">
               <a:extLst>
                 <a:ext uri="{FF2B5EF4-FFF2-40B4-BE49-F238E27FC236}">
-                  <a16:creationId xmlns:a16="http://schemas.microsoft.com/office/drawing/2014/main" id="{B8327F81-6339-4F96-86FB-23B9A3BA6604}"/>
+                  <a16:creationId xmlns:a16="http://schemas.microsoft.com/office/drawing/2014/main" xmlns="" id="{B8327F81-6339-4F96-86FB-23B9A3BA6604}"/>
                 </a:ext>
               </a:extLst>
             </p:cNvPr>
             <p:cNvSpPr txBox="1"/>
-            <p:nvPr userDrawn="1"/>
+            <p:nvPr/>
           </p:nvSpPr>
           <p:spPr>
             <a:xfrm>
@@ -9867,7 +11182,7 @@
           <p:cNvPr id="30" name="直接连接符 29">
             <a:extLst>
               <a:ext uri="{FF2B5EF4-FFF2-40B4-BE49-F238E27FC236}">
-                <a16:creationId xmlns:a16="http://schemas.microsoft.com/office/drawing/2014/main" id="{0D1123DB-D158-41F5-B30C-C5A036654224}"/>
+                <a16:creationId xmlns:a16="http://schemas.microsoft.com/office/drawing/2014/main" xmlns="" id="{0D1123DB-D158-41F5-B30C-C5A036654224}"/>
               </a:ext>
             </a:extLst>
           </p:cNvPr>
@@ -9912,7 +11227,7 @@
           <p:cNvPr id="31" name="文本框 30">
             <a:extLst>
               <a:ext uri="{FF2B5EF4-FFF2-40B4-BE49-F238E27FC236}">
-                <a16:creationId xmlns:a16="http://schemas.microsoft.com/office/drawing/2014/main" id="{2BE1D157-F766-43FD-BBEB-5DD3981F14E6}"/>
+                <a16:creationId xmlns:a16="http://schemas.microsoft.com/office/drawing/2014/main" xmlns="" id="{2BE1D157-F766-43FD-BBEB-5DD3981F14E6}"/>
               </a:ext>
             </a:extLst>
           </p:cNvPr>
@@ -9947,7 +11262,7 @@
           <p:cNvPr id="32" name="组合 31">
             <a:extLst>
               <a:ext uri="{FF2B5EF4-FFF2-40B4-BE49-F238E27FC236}">
-                <a16:creationId xmlns:a16="http://schemas.microsoft.com/office/drawing/2014/main" id="{CF663C2E-017F-4648-A214-12B8DC96D72E}"/>
+                <a16:creationId xmlns:a16="http://schemas.microsoft.com/office/drawing/2014/main" xmlns="" id="{CF663C2E-017F-4648-A214-12B8DC96D72E}"/>
               </a:ext>
             </a:extLst>
           </p:cNvPr>
@@ -9967,14 +11282,14 @@
             <p:cNvPr id="37" name="Freeform 10">
               <a:extLst>
                 <a:ext uri="{FF2B5EF4-FFF2-40B4-BE49-F238E27FC236}">
-                  <a16:creationId xmlns:a16="http://schemas.microsoft.com/office/drawing/2014/main" id="{A3180814-703B-4106-A112-F8BF5802DB38}"/>
+                  <a16:creationId xmlns:a16="http://schemas.microsoft.com/office/drawing/2014/main" xmlns="" id="{A3180814-703B-4106-A112-F8BF5802DB38}"/>
                 </a:ext>
               </a:extLst>
             </p:cNvPr>
             <p:cNvSpPr>
               <a:spLocks/>
             </p:cNvSpPr>
-            <p:nvPr userDrawn="1"/>
+            <p:nvPr/>
           </p:nvSpPr>
           <p:spPr bwMode="auto">
             <a:xfrm>
@@ -10109,12 +11424,12 @@
             <p:cNvPr id="38" name="文本框 37">
               <a:extLst>
                 <a:ext uri="{FF2B5EF4-FFF2-40B4-BE49-F238E27FC236}">
-                  <a16:creationId xmlns:a16="http://schemas.microsoft.com/office/drawing/2014/main" id="{90EB471E-BA0A-4DA7-8A90-4338725D2B23}"/>
+                  <a16:creationId xmlns:a16="http://schemas.microsoft.com/office/drawing/2014/main" xmlns="" id="{90EB471E-BA0A-4DA7-8A90-4338725D2B23}"/>
                 </a:ext>
               </a:extLst>
             </p:cNvPr>
             <p:cNvSpPr txBox="1"/>
-            <p:nvPr userDrawn="1"/>
+            <p:nvPr/>
           </p:nvSpPr>
           <p:spPr>
             <a:xfrm>
@@ -10159,7 +11474,7 @@
           <p:cNvPr id="39" name="直接连接符 38">
             <a:extLst>
               <a:ext uri="{FF2B5EF4-FFF2-40B4-BE49-F238E27FC236}">
-                <a16:creationId xmlns:a16="http://schemas.microsoft.com/office/drawing/2014/main" id="{0ACDA1D7-3C99-4C56-9A60-DCC76C4DA153}"/>
+                <a16:creationId xmlns:a16="http://schemas.microsoft.com/office/drawing/2014/main" xmlns="" id="{0ACDA1D7-3C99-4C56-9A60-DCC76C4DA153}"/>
               </a:ext>
             </a:extLst>
           </p:cNvPr>
@@ -10202,7 +11517,7 @@
           <p:cNvPr id="40" name="文本框 39">
             <a:extLst>
               <a:ext uri="{FF2B5EF4-FFF2-40B4-BE49-F238E27FC236}">
-                <a16:creationId xmlns:a16="http://schemas.microsoft.com/office/drawing/2014/main" id="{BCFB4250-29C0-47C6-AB62-F4F5AB7C902B}"/>
+                <a16:creationId xmlns:a16="http://schemas.microsoft.com/office/drawing/2014/main" xmlns="" id="{BCFB4250-29C0-47C6-AB62-F4F5AB7C902B}"/>
               </a:ext>
             </a:extLst>
           </p:cNvPr>
@@ -10237,7 +11552,7 @@
           <p:cNvPr id="41" name="组合 40">
             <a:extLst>
               <a:ext uri="{FF2B5EF4-FFF2-40B4-BE49-F238E27FC236}">
-                <a16:creationId xmlns:a16="http://schemas.microsoft.com/office/drawing/2014/main" id="{22C061F7-35ED-4361-BD3B-1D7F388E713D}"/>
+                <a16:creationId xmlns:a16="http://schemas.microsoft.com/office/drawing/2014/main" xmlns="" id="{22C061F7-35ED-4361-BD3B-1D7F388E713D}"/>
               </a:ext>
             </a:extLst>
           </p:cNvPr>
@@ -10257,14 +11572,14 @@
             <p:cNvPr id="42" name="Freeform 10">
               <a:extLst>
                 <a:ext uri="{FF2B5EF4-FFF2-40B4-BE49-F238E27FC236}">
-                  <a16:creationId xmlns:a16="http://schemas.microsoft.com/office/drawing/2014/main" id="{FDB44254-A48C-480D-A4AC-642482B74B80}"/>
+                  <a16:creationId xmlns:a16="http://schemas.microsoft.com/office/drawing/2014/main" xmlns="" id="{FDB44254-A48C-480D-A4AC-642482B74B80}"/>
                 </a:ext>
               </a:extLst>
             </p:cNvPr>
             <p:cNvSpPr>
               <a:spLocks/>
             </p:cNvSpPr>
-            <p:nvPr userDrawn="1"/>
+            <p:nvPr/>
           </p:nvSpPr>
           <p:spPr bwMode="auto">
             <a:xfrm>
@@ -10401,12 +11716,12 @@
             <p:cNvPr id="43" name="文本框 42">
               <a:extLst>
                 <a:ext uri="{FF2B5EF4-FFF2-40B4-BE49-F238E27FC236}">
-                  <a16:creationId xmlns:a16="http://schemas.microsoft.com/office/drawing/2014/main" id="{D0A8A38F-20D7-467C-A58A-D5E9653E8AC7}"/>
+                  <a16:creationId xmlns:a16="http://schemas.microsoft.com/office/drawing/2014/main" xmlns="" id="{D0A8A38F-20D7-467C-A58A-D5E9653E8AC7}"/>
                 </a:ext>
               </a:extLst>
             </p:cNvPr>
             <p:cNvSpPr txBox="1"/>
-            <p:nvPr userDrawn="1"/>
+            <p:nvPr/>
           </p:nvSpPr>
           <p:spPr>
             <a:xfrm>
@@ -10451,7 +11766,7 @@
           <p:cNvPr id="44" name="直接连接符 43">
             <a:extLst>
               <a:ext uri="{FF2B5EF4-FFF2-40B4-BE49-F238E27FC236}">
-                <a16:creationId xmlns:a16="http://schemas.microsoft.com/office/drawing/2014/main" id="{36BD1FD9-5E89-4B0B-9FB5-2BE069F1FAF4}"/>
+                <a16:creationId xmlns:a16="http://schemas.microsoft.com/office/drawing/2014/main" xmlns="" id="{36BD1FD9-5E89-4B0B-9FB5-2BE069F1FAF4}"/>
               </a:ext>
             </a:extLst>
           </p:cNvPr>
@@ -10496,7 +11811,7 @@
           <p:cNvPr id="45" name="文本框 44">
             <a:extLst>
               <a:ext uri="{FF2B5EF4-FFF2-40B4-BE49-F238E27FC236}">
-                <a16:creationId xmlns:a16="http://schemas.microsoft.com/office/drawing/2014/main" id="{C535113B-0479-4DBB-ABCC-FE22F8FF7799}"/>
+                <a16:creationId xmlns:a16="http://schemas.microsoft.com/office/drawing/2014/main" xmlns="" id="{C535113B-0479-4DBB-ABCC-FE22F8FF7799}"/>
               </a:ext>
             </a:extLst>
           </p:cNvPr>
@@ -10529,18 +11844,18 @@
     </p:spTree>
     <p:extLst>
       <p:ext uri="{BB962C8B-B14F-4D97-AF65-F5344CB8AC3E}">
-        <p14:creationId xmlns:p14="http://schemas.microsoft.com/office/powerpoint/2010/main" val="3466991824"/>
+        <p14:creationId xmlns:p14="http://schemas.microsoft.com/office/powerpoint/2010/main" xmlns="" val="3466991824"/>
       </p:ext>
     </p:extLst>
   </p:cSld>
   <p:clrMapOvr>
     <a:masterClrMapping/>
   </p:clrMapOvr>
-  <mc:AlternateContent xmlns:mc="http://schemas.openxmlformats.org/markup-compatibility/2006" xmlns:p14="http://schemas.microsoft.com/office/powerpoint/2010/main">
-    <mc:Choice Requires="p14">
+  <mc:AlternateContent xmlns:mc="http://schemas.openxmlformats.org/markup-compatibility/2006">
+    <mc:Choice xmlns:p14="http://schemas.microsoft.com/office/powerpoint/2010/main" xmlns="" Requires="p14">
       <p:transition p14:dur="10"/>
     </mc:Choice>
-    <mc:Fallback xmlns="">
+    <mc:Fallback>
       <p:transition/>
     </mc:Fallback>
   </mc:AlternateContent>
@@ -10566,7 +11881,113 @@
       </p:grpSpPr>
       <p:sp>
         <p:nvSpPr>
-          <p:cNvPr id="2" name="标题 1"/>
+          <p:cNvPr id="4" name="内容占位符 3"/>
+          <p:cNvSpPr>
+            <a:spLocks noGrp="1"/>
+          </p:cNvSpPr>
+          <p:nvPr>
+            <p:ph sz="quarter" idx="10"/>
+          </p:nvPr>
+        </p:nvSpPr>
+        <p:spPr>
+          <a:xfrm>
+            <a:off x="494025" y="1685678"/>
+            <a:ext cx="3373125" cy="4921498"/>
+          </a:xfrm>
+        </p:spPr>
+        <p:txBody>
+          <a:bodyPr>
+            <a:normAutofit lnSpcReduction="10000"/>
+          </a:bodyPr>
+          <a:lstStyle/>
+          <a:p>
+            <a:pPr lvl="1"/>
+            <a:r>
+              <a:rPr lang="zh-CN" altLang="zh-CN" dirty="0" smtClean="0"/>
+              <a:t>图像去背景化算法</a:t>
+            </a:r>
+          </a:p>
+          <a:p>
+            <a:pPr lvl="2"/>
+            <a:r>
+              <a:rPr lang="zh-CN" altLang="zh-CN" dirty="0" smtClean="0"/>
+              <a:t>先用</a:t>
+            </a:r>
+            <a:r>
+              <a:rPr lang="en-US" altLang="zh-CN" dirty="0" err="1" smtClean="0"/>
+              <a:t>opencv</a:t>
+            </a:r>
+            <a:r>
+              <a:rPr lang="zh-CN" altLang="zh-CN" dirty="0" smtClean="0"/>
+              <a:t>将图片转化成</a:t>
+            </a:r>
+            <a:r>
+              <a:rPr lang="en-US" altLang="zh-CN" dirty="0" err="1" smtClean="0"/>
+              <a:t>hsv</a:t>
+            </a:r>
+            <a:r>
+              <a:rPr lang="zh-CN" altLang="zh-CN" dirty="0" smtClean="0"/>
+              <a:t>格式，更好的分离颜色</a:t>
+            </a:r>
+          </a:p>
+          <a:p>
+            <a:pPr lvl="2"/>
+            <a:r>
+              <a:rPr lang="zh-CN" altLang="zh-CN" dirty="0" smtClean="0"/>
+              <a:t>然后提取原图中背景灰色的上界和下界，生成</a:t>
+            </a:r>
+            <a:r>
+              <a:rPr lang="en-US" altLang="zh-CN" dirty="0" smtClean="0"/>
+              <a:t>mask</a:t>
+            </a:r>
+            <a:r>
+              <a:rPr lang="zh-CN" altLang="zh-CN" dirty="0" smtClean="0"/>
+              <a:t>图片</a:t>
+            </a:r>
+          </a:p>
+          <a:p>
+            <a:pPr lvl="2"/>
+            <a:r>
+              <a:rPr lang="zh-CN" altLang="zh-CN" dirty="0" smtClean="0"/>
+              <a:t>再用形态学腐蚀操作将会腐蚀图像中白色像素，以此来消除小斑点，而膨胀操作将使剩余的白色像素扩张并重新增长回去。</a:t>
+            </a:r>
+          </a:p>
+          <a:p>
+            <a:pPr lvl="2"/>
+            <a:r>
+              <a:rPr lang="zh-CN" altLang="zh-CN" dirty="0" smtClean="0"/>
+              <a:t>循环将</a:t>
+            </a:r>
+            <a:r>
+              <a:rPr lang="en-US" altLang="zh-CN" dirty="0" smtClean="0"/>
+              <a:t>mask</a:t>
+            </a:r>
+            <a:r>
+              <a:rPr lang="zh-CN" altLang="zh-CN" dirty="0" smtClean="0"/>
+              <a:t>中白色的部分对应的原图像素替换成黑色</a:t>
+            </a:r>
+          </a:p>
+          <a:p>
+            <a:pPr>
+              <a:lnSpc>
+                <a:spcPct val="150000"/>
+              </a:lnSpc>
+            </a:pPr>
+            <a:endParaRPr lang="en-US" altLang="zh-CN" dirty="0"/>
+          </a:p>
+          <a:p>
+            <a:pPr>
+              <a:lnSpc>
+                <a:spcPct val="150000"/>
+              </a:lnSpc>
+            </a:pPr>
+            <a:endParaRPr lang="en-US" altLang="zh-CN" dirty="0"/>
+          </a:p>
+        </p:txBody>
+      </p:sp>
+      <p:sp>
+        <p:nvSpPr>
+          <p:cNvPr id="3" name="标题 2"/>
           <p:cNvSpPr>
             <a:spLocks noGrp="1"/>
           </p:cNvSpPr>
@@ -10576,928 +11997,75 @@
         </p:nvSpPr>
         <p:spPr/>
         <p:txBody>
-          <a:bodyPr>
-            <a:normAutofit fontScale="90000"/>
-          </a:bodyPr>
+          <a:bodyPr/>
           <a:lstStyle/>
           <a:p>
             <a:r>
-              <a:rPr lang="zh-CN" altLang="en-US" dirty="0">
-                <a:latin typeface="微软雅黑" panose="020B0503020204020204" pitchFamily="34" charset="-122"/>
-                <a:ea typeface="微软雅黑" panose="020B0503020204020204" pitchFamily="34" charset="-122"/>
-              </a:rPr>
-              <a:t>目录 </a:t>
-            </a:r>
-            <a:r>
-              <a:rPr lang="en-US" altLang="zh-CN" dirty="0">
-                <a:latin typeface="微软雅黑" panose="020B0503020204020204" pitchFamily="34" charset="-122"/>
-                <a:ea typeface="微软雅黑" panose="020B0503020204020204" pitchFamily="34" charset="-122"/>
-              </a:rPr>
-              <a:t>Contents</a:t>
-            </a:r>
-            <a:endParaRPr lang="zh-CN" altLang="en-US" dirty="0">
-              <a:latin typeface="微软雅黑" panose="020B0503020204020204" pitchFamily="34" charset="-122"/>
-              <a:ea typeface="微软雅黑" panose="020B0503020204020204" pitchFamily="34" charset="-122"/>
-            </a:endParaRPr>
+              <a:rPr lang="zh-CN" altLang="en-US" dirty="0" smtClean="0"/>
+              <a:t>算法分析</a:t>
+            </a:r>
+            <a:endParaRPr lang="zh-CN" altLang="en-US" dirty="0"/>
           </a:p>
         </p:txBody>
       </p:sp>
-      <p:grpSp>
-        <p:nvGrpSpPr>
-          <p:cNvPr id="27" name="组合 26">
-            <a:extLst>
-              <a:ext uri="{FF2B5EF4-FFF2-40B4-BE49-F238E27FC236}">
-                <a16:creationId xmlns:a16="http://schemas.microsoft.com/office/drawing/2014/main" id="{BD047CD5-4C5C-4762-AADE-57F799577979}"/>
-              </a:ext>
-            </a:extLst>
-          </p:cNvPr>
-          <p:cNvGrpSpPr/>
+      <p:pic>
+        <p:nvPicPr>
+          <p:cNvPr id="5" name="图片 4" descr="81.jpg"/>
+          <p:cNvPicPr>
+            <a:picLocks noChangeAspect="1"/>
+          </p:cNvPicPr>
           <p:nvPr/>
-        </p:nvGrpSpPr>
-        <p:grpSpPr>
-          <a:xfrm>
-            <a:off x="1841535" y="1303550"/>
-            <a:ext cx="843427" cy="443226"/>
-            <a:chOff x="666810" y="2586037"/>
-            <a:chExt cx="468000" cy="245937"/>
-          </a:xfrm>
-        </p:grpSpPr>
-        <p:sp>
-          <p:nvSpPr>
-            <p:cNvPr id="28" name="Freeform 10">
-              <a:extLst>
-                <a:ext uri="{FF2B5EF4-FFF2-40B4-BE49-F238E27FC236}">
-                  <a16:creationId xmlns:a16="http://schemas.microsoft.com/office/drawing/2014/main" id="{8B2167EC-56CF-4B70-A775-2D642E546D8F}"/>
-                </a:ext>
-              </a:extLst>
-            </p:cNvPr>
-            <p:cNvSpPr>
-              <a:spLocks/>
-            </p:cNvSpPr>
-            <p:nvPr userDrawn="1"/>
-          </p:nvSpPr>
-          <p:spPr bwMode="auto">
-            <a:xfrm>
-              <a:off x="666810" y="2621442"/>
-              <a:ext cx="468000" cy="190800"/>
-            </a:xfrm>
-            <a:custGeom>
-              <a:avLst/>
-              <a:gdLst>
-                <a:gd name="T0" fmla="*/ 3120 w 3800"/>
-                <a:gd name="T1" fmla="*/ 0 h 1532"/>
-                <a:gd name="T2" fmla="*/ 682 w 3800"/>
-                <a:gd name="T3" fmla="*/ 0 h 1532"/>
-                <a:gd name="T4" fmla="*/ 682 w 3800"/>
-                <a:gd name="T5" fmla="*/ 284 h 1532"/>
-                <a:gd name="T6" fmla="*/ 0 w 3800"/>
-                <a:gd name="T7" fmla="*/ 766 h 1532"/>
-                <a:gd name="T8" fmla="*/ 682 w 3800"/>
-                <a:gd name="T9" fmla="*/ 1248 h 1532"/>
-                <a:gd name="T10" fmla="*/ 682 w 3800"/>
-                <a:gd name="T11" fmla="*/ 1532 h 1532"/>
-                <a:gd name="T12" fmla="*/ 3120 w 3800"/>
-                <a:gd name="T13" fmla="*/ 1532 h 1532"/>
-                <a:gd name="T14" fmla="*/ 3120 w 3800"/>
-                <a:gd name="T15" fmla="*/ 1248 h 1532"/>
-                <a:gd name="T16" fmla="*/ 3800 w 3800"/>
-                <a:gd name="T17" fmla="*/ 766 h 1532"/>
-                <a:gd name="T18" fmla="*/ 3120 w 3800"/>
-                <a:gd name="T19" fmla="*/ 284 h 1532"/>
-                <a:gd name="T20" fmla="*/ 3120 w 3800"/>
-                <a:gd name="T21" fmla="*/ 0 h 1532"/>
-              </a:gdLst>
-              <a:ahLst/>
-              <a:cxnLst>
-                <a:cxn ang="0">
-                  <a:pos x="T0" y="T1"/>
-                </a:cxn>
-                <a:cxn ang="0">
-                  <a:pos x="T2" y="T3"/>
-                </a:cxn>
-                <a:cxn ang="0">
-                  <a:pos x="T4" y="T5"/>
-                </a:cxn>
-                <a:cxn ang="0">
-                  <a:pos x="T6" y="T7"/>
-                </a:cxn>
-                <a:cxn ang="0">
-                  <a:pos x="T8" y="T9"/>
-                </a:cxn>
-                <a:cxn ang="0">
-                  <a:pos x="T10" y="T11"/>
-                </a:cxn>
-                <a:cxn ang="0">
-                  <a:pos x="T12" y="T13"/>
-                </a:cxn>
-                <a:cxn ang="0">
-                  <a:pos x="T14" y="T15"/>
-                </a:cxn>
-                <a:cxn ang="0">
-                  <a:pos x="T16" y="T17"/>
-                </a:cxn>
-                <a:cxn ang="0">
-                  <a:pos x="T18" y="T19"/>
-                </a:cxn>
-                <a:cxn ang="0">
-                  <a:pos x="T20" y="T21"/>
-                </a:cxn>
-              </a:cxnLst>
-              <a:rect l="0" t="0" r="r" b="b"/>
-              <a:pathLst>
-                <a:path w="3800" h="1532">
-                  <a:moveTo>
-                    <a:pt x="3120" y="0"/>
-                  </a:moveTo>
-                  <a:lnTo>
-                    <a:pt x="682" y="0"/>
-                  </a:lnTo>
-                  <a:lnTo>
-                    <a:pt x="682" y="284"/>
-                  </a:lnTo>
-                  <a:lnTo>
-                    <a:pt x="0" y="766"/>
-                  </a:lnTo>
-                  <a:lnTo>
-                    <a:pt x="682" y="1248"/>
-                  </a:lnTo>
-                  <a:lnTo>
-                    <a:pt x="682" y="1532"/>
-                  </a:lnTo>
-                  <a:lnTo>
-                    <a:pt x="3120" y="1532"/>
-                  </a:lnTo>
-                  <a:lnTo>
-                    <a:pt x="3120" y="1248"/>
-                  </a:lnTo>
-                  <a:lnTo>
-                    <a:pt x="3800" y="766"/>
-                  </a:lnTo>
-                  <a:lnTo>
-                    <a:pt x="3120" y="284"/>
-                  </a:lnTo>
-                  <a:lnTo>
-                    <a:pt x="3120" y="0"/>
-                  </a:lnTo>
-                  <a:close/>
-                </a:path>
-              </a:pathLst>
-            </a:custGeom>
-            <a:solidFill>
-              <a:schemeClr val="bg1">
-                <a:lumMod val="65000"/>
-              </a:schemeClr>
-            </a:solidFill>
-            <a:ln>
-              <a:noFill/>
-            </a:ln>
-          </p:spPr>
-          <p:txBody>
-            <a:bodyPr vert="horz" wrap="square" lIns="91440" tIns="45720" rIns="91440" bIns="45720" numCol="1" anchor="ctr" anchorCtr="0" compatLnSpc="1">
-              <a:prstTxWarp prst="textNoShape">
-                <a:avLst/>
-              </a:prstTxWarp>
-              <a:noAutofit/>
-            </a:bodyPr>
-            <a:lstStyle/>
-            <a:p>
-              <a:pPr algn="ctr"/>
-              <a:endParaRPr lang="zh-CN" altLang="en-US" sz="3200" b="1"/>
-            </a:p>
-          </p:txBody>
-        </p:sp>
-        <p:sp>
-          <p:nvSpPr>
-            <p:cNvPr id="29" name="文本框 28">
-              <a:extLst>
-                <a:ext uri="{FF2B5EF4-FFF2-40B4-BE49-F238E27FC236}">
-                  <a16:creationId xmlns:a16="http://schemas.microsoft.com/office/drawing/2014/main" id="{B8327F81-6339-4F96-86FB-23B9A3BA6604}"/>
-                </a:ext>
-              </a:extLst>
-            </p:cNvPr>
-            <p:cNvSpPr txBox="1"/>
-            <p:nvPr userDrawn="1"/>
-          </p:nvSpPr>
-          <p:spPr>
-            <a:xfrm>
-              <a:off x="794494" y="2586037"/>
-              <a:ext cx="212633" cy="245937"/>
-            </a:xfrm>
-            <a:prstGeom prst="rect">
-              <a:avLst/>
-            </a:prstGeom>
-            <a:noFill/>
-          </p:spPr>
-          <p:txBody>
-            <a:bodyPr wrap="none" rtlCol="0" anchor="ctr">
-              <a:noAutofit/>
-            </a:bodyPr>
-            <a:lstStyle/>
-            <a:p>
-              <a:pPr algn="ctr"/>
-              <a:r>
-                <a:rPr lang="en-US" altLang="zh-CN" b="1" dirty="0">
-                  <a:solidFill>
-                    <a:schemeClr val="bg1"/>
-                  </a:solidFill>
-                  <a:latin typeface="微软雅黑" panose="020B0503020204020204" pitchFamily="34" charset="-122"/>
-                  <a:ea typeface="微软雅黑" panose="020B0503020204020204" pitchFamily="34" charset="-122"/>
-                </a:rPr>
-                <a:t>1</a:t>
-              </a:r>
-              <a:endParaRPr lang="zh-CN" altLang="en-US" b="1" dirty="0">
-                <a:solidFill>
-                  <a:schemeClr val="bg1"/>
-                </a:solidFill>
-                <a:latin typeface="微软雅黑" panose="020B0503020204020204" pitchFamily="34" charset="-122"/>
-                <a:ea typeface="微软雅黑" panose="020B0503020204020204" pitchFamily="34" charset="-122"/>
-              </a:endParaRPr>
-            </a:p>
-          </p:txBody>
-        </p:sp>
-      </p:grpSp>
-      <p:cxnSp>
-        <p:nvCxnSpPr>
-          <p:cNvPr id="30" name="直接连接符 29">
-            <a:extLst>
-              <a:ext uri="{FF2B5EF4-FFF2-40B4-BE49-F238E27FC236}">
-                <a16:creationId xmlns:a16="http://schemas.microsoft.com/office/drawing/2014/main" id="{0D1123DB-D158-41F5-B30C-C5A036654224}"/>
-              </a:ext>
-            </a:extLst>
-          </p:cNvPr>
-          <p:cNvCxnSpPr>
-            <a:stCxn id="28" idx="6"/>
-          </p:cNvCxnSpPr>
+        </p:nvPicPr>
+        <p:blipFill>
+          <a:blip r:embed="rId2" cstate="print"/>
+          <a:stretch>
+            <a:fillRect/>
+          </a:stretch>
+        </p:blipFill>
+        <p:spPr>
+          <a:xfrm>
+            <a:off x="5372165" y="1635369"/>
+            <a:ext cx="3104791" cy="2074984"/>
+          </a:xfrm>
+          <a:prstGeom prst="rect">
+            <a:avLst/>
+          </a:prstGeom>
+        </p:spPr>
+      </p:pic>
+      <p:pic>
+        <p:nvPicPr>
+          <p:cNvPr id="6" name="图片 5" descr="temp1.jpg"/>
+          <p:cNvPicPr>
+            <a:picLocks noChangeAspect="1"/>
+          </p:cNvPicPr>
           <p:nvPr/>
-        </p:nvCxnSpPr>
-        <p:spPr>
-          <a:xfrm>
-            <a:off x="2534033" y="1711215"/>
-            <a:ext cx="4500000" cy="0"/>
-          </a:xfrm>
-          <a:prstGeom prst="line">
-            <a:avLst/>
-          </a:prstGeom>
-          <a:ln>
-            <a:solidFill>
-              <a:schemeClr val="bg1">
-                <a:lumMod val="65000"/>
-              </a:schemeClr>
-            </a:solidFill>
-          </a:ln>
-        </p:spPr>
-        <p:style>
-          <a:lnRef idx="1">
-            <a:schemeClr val="accent1"/>
-          </a:lnRef>
-          <a:fillRef idx="0">
-            <a:schemeClr val="accent1"/>
-          </a:fillRef>
-          <a:effectRef idx="0">
-            <a:schemeClr val="accent1"/>
-          </a:effectRef>
-          <a:fontRef idx="minor">
-            <a:schemeClr val="tx1"/>
-          </a:fontRef>
-        </p:style>
-      </p:cxnSp>
-      <p:sp>
-        <p:nvSpPr>
-          <p:cNvPr id="31" name="文本框 30">
-            <a:extLst>
-              <a:ext uri="{FF2B5EF4-FFF2-40B4-BE49-F238E27FC236}">
-                <a16:creationId xmlns:a16="http://schemas.microsoft.com/office/drawing/2014/main" id="{2BE1D157-F766-43FD-BBEB-5DD3981F14E6}"/>
-              </a:ext>
-            </a:extLst>
-          </p:cNvPr>
-          <p:cNvSpPr txBox="1"/>
-          <p:nvPr/>
-        </p:nvSpPr>
-        <p:spPr>
-          <a:xfrm>
-            <a:off x="2915073" y="1274734"/>
-            <a:ext cx="4387392" cy="461665"/>
+        </p:nvPicPr>
+        <p:blipFill>
+          <a:blip r:embed="rId3" cstate="print"/>
+          <a:stretch>
+            <a:fillRect/>
+          </a:stretch>
+        </p:blipFill>
+        <p:spPr>
+          <a:xfrm>
+            <a:off x="5336930" y="4052773"/>
+            <a:ext cx="3086101" cy="2062493"/>
           </a:xfrm>
           <a:prstGeom prst="rect">
             <a:avLst/>
           </a:prstGeom>
-          <a:noFill/>
-        </p:spPr>
-        <p:txBody>
-          <a:bodyPr wrap="square" rtlCol="0">
-            <a:spAutoFit/>
-          </a:bodyPr>
-          <a:lstStyle/>
-          <a:p>
-            <a:r>
-              <a:rPr lang="zh-CN" altLang="en-US" sz="2400" dirty="0"/>
-              <a:t>系统目标</a:t>
-            </a:r>
-          </a:p>
-        </p:txBody>
-      </p:sp>
-      <p:grpSp>
-        <p:nvGrpSpPr>
-          <p:cNvPr id="32" name="组合 31">
-            <a:extLst>
-              <a:ext uri="{FF2B5EF4-FFF2-40B4-BE49-F238E27FC236}">
-                <a16:creationId xmlns:a16="http://schemas.microsoft.com/office/drawing/2014/main" id="{CF663C2E-017F-4648-A214-12B8DC96D72E}"/>
-              </a:ext>
-            </a:extLst>
-          </p:cNvPr>
-          <p:cNvGrpSpPr/>
-          <p:nvPr/>
-        </p:nvGrpSpPr>
-        <p:grpSpPr>
-          <a:xfrm>
-            <a:off x="1841535" y="2628612"/>
-            <a:ext cx="843427" cy="443226"/>
-            <a:chOff x="666810" y="2586037"/>
-            <a:chExt cx="468000" cy="245937"/>
-          </a:xfrm>
-        </p:grpSpPr>
-        <p:sp>
-          <p:nvSpPr>
-            <p:cNvPr id="37" name="Freeform 10">
-              <a:extLst>
-                <a:ext uri="{FF2B5EF4-FFF2-40B4-BE49-F238E27FC236}">
-                  <a16:creationId xmlns:a16="http://schemas.microsoft.com/office/drawing/2014/main" id="{A3180814-703B-4106-A112-F8BF5802DB38}"/>
-                </a:ext>
-              </a:extLst>
-            </p:cNvPr>
-            <p:cNvSpPr>
-              <a:spLocks/>
-            </p:cNvSpPr>
-            <p:nvPr userDrawn="1"/>
-          </p:nvSpPr>
-          <p:spPr bwMode="auto">
-            <a:xfrm>
-              <a:off x="666810" y="2621442"/>
-              <a:ext cx="468000" cy="190800"/>
-            </a:xfrm>
-            <a:custGeom>
-              <a:avLst/>
-              <a:gdLst>
-                <a:gd name="T0" fmla="*/ 3120 w 3800"/>
-                <a:gd name="T1" fmla="*/ 0 h 1532"/>
-                <a:gd name="T2" fmla="*/ 682 w 3800"/>
-                <a:gd name="T3" fmla="*/ 0 h 1532"/>
-                <a:gd name="T4" fmla="*/ 682 w 3800"/>
-                <a:gd name="T5" fmla="*/ 284 h 1532"/>
-                <a:gd name="T6" fmla="*/ 0 w 3800"/>
-                <a:gd name="T7" fmla="*/ 766 h 1532"/>
-                <a:gd name="T8" fmla="*/ 682 w 3800"/>
-                <a:gd name="T9" fmla="*/ 1248 h 1532"/>
-                <a:gd name="T10" fmla="*/ 682 w 3800"/>
-                <a:gd name="T11" fmla="*/ 1532 h 1532"/>
-                <a:gd name="T12" fmla="*/ 3120 w 3800"/>
-                <a:gd name="T13" fmla="*/ 1532 h 1532"/>
-                <a:gd name="T14" fmla="*/ 3120 w 3800"/>
-                <a:gd name="T15" fmla="*/ 1248 h 1532"/>
-                <a:gd name="T16" fmla="*/ 3800 w 3800"/>
-                <a:gd name="T17" fmla="*/ 766 h 1532"/>
-                <a:gd name="T18" fmla="*/ 3120 w 3800"/>
-                <a:gd name="T19" fmla="*/ 284 h 1532"/>
-                <a:gd name="T20" fmla="*/ 3120 w 3800"/>
-                <a:gd name="T21" fmla="*/ 0 h 1532"/>
-              </a:gdLst>
-              <a:ahLst/>
-              <a:cxnLst>
-                <a:cxn ang="0">
-                  <a:pos x="T0" y="T1"/>
-                </a:cxn>
-                <a:cxn ang="0">
-                  <a:pos x="T2" y="T3"/>
-                </a:cxn>
-                <a:cxn ang="0">
-                  <a:pos x="T4" y="T5"/>
-                </a:cxn>
-                <a:cxn ang="0">
-                  <a:pos x="T6" y="T7"/>
-                </a:cxn>
-                <a:cxn ang="0">
-                  <a:pos x="T8" y="T9"/>
-                </a:cxn>
-                <a:cxn ang="0">
-                  <a:pos x="T10" y="T11"/>
-                </a:cxn>
-                <a:cxn ang="0">
-                  <a:pos x="T12" y="T13"/>
-                </a:cxn>
-                <a:cxn ang="0">
-                  <a:pos x="T14" y="T15"/>
-                </a:cxn>
-                <a:cxn ang="0">
-                  <a:pos x="T16" y="T17"/>
-                </a:cxn>
-                <a:cxn ang="0">
-                  <a:pos x="T18" y="T19"/>
-                </a:cxn>
-                <a:cxn ang="0">
-                  <a:pos x="T20" y="T21"/>
-                </a:cxn>
-              </a:cxnLst>
-              <a:rect l="0" t="0" r="r" b="b"/>
-              <a:pathLst>
-                <a:path w="3800" h="1532">
-                  <a:moveTo>
-                    <a:pt x="3120" y="0"/>
-                  </a:moveTo>
-                  <a:lnTo>
-                    <a:pt x="682" y="0"/>
-                  </a:lnTo>
-                  <a:lnTo>
-                    <a:pt x="682" y="284"/>
-                  </a:lnTo>
-                  <a:lnTo>
-                    <a:pt x="0" y="766"/>
-                  </a:lnTo>
-                  <a:lnTo>
-                    <a:pt x="682" y="1248"/>
-                  </a:lnTo>
-                  <a:lnTo>
-                    <a:pt x="682" y="1532"/>
-                  </a:lnTo>
-                  <a:lnTo>
-                    <a:pt x="3120" y="1532"/>
-                  </a:lnTo>
-                  <a:lnTo>
-                    <a:pt x="3120" y="1248"/>
-                  </a:lnTo>
-                  <a:lnTo>
-                    <a:pt x="3800" y="766"/>
-                  </a:lnTo>
-                  <a:lnTo>
-                    <a:pt x="3120" y="284"/>
-                  </a:lnTo>
-                  <a:lnTo>
-                    <a:pt x="3120" y="0"/>
-                  </a:lnTo>
-                  <a:close/>
-                </a:path>
-              </a:pathLst>
-            </a:custGeom>
-            <a:solidFill>
-              <a:schemeClr val="bg1">
-                <a:lumMod val="65000"/>
-              </a:schemeClr>
-            </a:solidFill>
-            <a:ln>
-              <a:noFill/>
-            </a:ln>
-          </p:spPr>
-          <p:txBody>
-            <a:bodyPr vert="horz" wrap="square" lIns="91440" tIns="45720" rIns="91440" bIns="45720" numCol="1" anchor="ctr" anchorCtr="0" compatLnSpc="1">
-              <a:prstTxWarp prst="textNoShape">
-                <a:avLst/>
-              </a:prstTxWarp>
-              <a:noAutofit/>
-            </a:bodyPr>
-            <a:lstStyle/>
-            <a:p>
-              <a:pPr algn="ctr"/>
-              <a:endParaRPr lang="zh-CN" altLang="en-US" sz="3200" b="1" dirty="0"/>
-            </a:p>
-          </p:txBody>
-        </p:sp>
-        <p:sp>
-          <p:nvSpPr>
-            <p:cNvPr id="38" name="文本框 37">
-              <a:extLst>
-                <a:ext uri="{FF2B5EF4-FFF2-40B4-BE49-F238E27FC236}">
-                  <a16:creationId xmlns:a16="http://schemas.microsoft.com/office/drawing/2014/main" id="{90EB471E-BA0A-4DA7-8A90-4338725D2B23}"/>
-                </a:ext>
-              </a:extLst>
-            </p:cNvPr>
-            <p:cNvSpPr txBox="1"/>
-            <p:nvPr userDrawn="1"/>
-          </p:nvSpPr>
-          <p:spPr>
-            <a:xfrm>
-              <a:off x="794494" y="2586037"/>
-              <a:ext cx="212633" cy="245937"/>
-            </a:xfrm>
-            <a:prstGeom prst="rect">
-              <a:avLst/>
-            </a:prstGeom>
-            <a:noFill/>
-          </p:spPr>
-          <p:txBody>
-            <a:bodyPr wrap="none" rtlCol="0" anchor="ctr">
-              <a:noAutofit/>
-            </a:bodyPr>
-            <a:lstStyle/>
-            <a:p>
-              <a:pPr algn="ctr"/>
-              <a:r>
-                <a:rPr lang="en-US" altLang="zh-CN" b="1" dirty="0">
-                  <a:solidFill>
-                    <a:schemeClr val="bg1"/>
-                  </a:solidFill>
-                  <a:latin typeface="微软雅黑" panose="020B0503020204020204" pitchFamily="34" charset="-122"/>
-                  <a:ea typeface="微软雅黑" panose="020B0503020204020204" pitchFamily="34" charset="-122"/>
-                </a:rPr>
-                <a:t>2</a:t>
-              </a:r>
-              <a:endParaRPr lang="zh-CN" altLang="en-US" b="1" dirty="0">
-                <a:solidFill>
-                  <a:schemeClr val="bg1"/>
-                </a:solidFill>
-                <a:latin typeface="微软雅黑" panose="020B0503020204020204" pitchFamily="34" charset="-122"/>
-                <a:ea typeface="微软雅黑" panose="020B0503020204020204" pitchFamily="34" charset="-122"/>
-              </a:endParaRPr>
-            </a:p>
-          </p:txBody>
-        </p:sp>
-      </p:grpSp>
-      <p:cxnSp>
-        <p:nvCxnSpPr>
-          <p:cNvPr id="39" name="直接连接符 38">
-            <a:extLst>
-              <a:ext uri="{FF2B5EF4-FFF2-40B4-BE49-F238E27FC236}">
-                <a16:creationId xmlns:a16="http://schemas.microsoft.com/office/drawing/2014/main" id="{0ACDA1D7-3C99-4C56-9A60-DCC76C4DA153}"/>
-              </a:ext>
-            </a:extLst>
-          </p:cNvPr>
-          <p:cNvCxnSpPr>
-            <a:stCxn id="37" idx="6"/>
-          </p:cNvCxnSpPr>
-          <p:nvPr/>
-        </p:nvCxnSpPr>
-        <p:spPr>
-          <a:xfrm>
-            <a:off x="2534033" y="3036277"/>
-            <a:ext cx="4500000" cy="0"/>
-          </a:xfrm>
-          <a:prstGeom prst="line">
-            <a:avLst/>
-          </a:prstGeom>
-          <a:ln>
-            <a:solidFill>
-              <a:schemeClr val="bg1">
-                <a:lumMod val="65000"/>
-              </a:schemeClr>
-            </a:solidFill>
-          </a:ln>
-        </p:spPr>
-        <p:style>
-          <a:lnRef idx="1">
-            <a:schemeClr val="accent1"/>
-          </a:lnRef>
-          <a:fillRef idx="0">
-            <a:schemeClr val="accent1"/>
-          </a:fillRef>
-          <a:effectRef idx="0">
-            <a:schemeClr val="accent1"/>
-          </a:effectRef>
-          <a:fontRef idx="minor">
-            <a:schemeClr val="tx1"/>
-          </a:fontRef>
-        </p:style>
-      </p:cxnSp>
-      <p:sp>
-        <p:nvSpPr>
-          <p:cNvPr id="40" name="文本框 39">
-            <a:extLst>
-              <a:ext uri="{FF2B5EF4-FFF2-40B4-BE49-F238E27FC236}">
-                <a16:creationId xmlns:a16="http://schemas.microsoft.com/office/drawing/2014/main" id="{BCFB4250-29C0-47C6-AB62-F4F5AB7C902B}"/>
-              </a:ext>
-            </a:extLst>
-          </p:cNvPr>
-          <p:cNvSpPr txBox="1"/>
-          <p:nvPr/>
-        </p:nvSpPr>
-        <p:spPr>
-          <a:xfrm>
-            <a:off x="2915073" y="2599796"/>
-            <a:ext cx="4387392" cy="461665"/>
-          </a:xfrm>
-          <a:prstGeom prst="rect">
-            <a:avLst/>
-          </a:prstGeom>
-          <a:noFill/>
-        </p:spPr>
-        <p:txBody>
-          <a:bodyPr wrap="square" rtlCol="0">
-            <a:spAutoFit/>
-          </a:bodyPr>
-          <a:lstStyle/>
-          <a:p>
-            <a:r>
-              <a:rPr lang="zh-CN" altLang="en-US" sz="2400" dirty="0"/>
-              <a:t>实现算法</a:t>
-            </a:r>
-          </a:p>
-        </p:txBody>
-      </p:sp>
-      <p:grpSp>
-        <p:nvGrpSpPr>
-          <p:cNvPr id="41" name="组合 40">
-            <a:extLst>
-              <a:ext uri="{FF2B5EF4-FFF2-40B4-BE49-F238E27FC236}">
-                <a16:creationId xmlns:a16="http://schemas.microsoft.com/office/drawing/2014/main" id="{22C061F7-35ED-4361-BD3B-1D7F388E713D}"/>
-              </a:ext>
-            </a:extLst>
-          </p:cNvPr>
-          <p:cNvGrpSpPr/>
-          <p:nvPr/>
-        </p:nvGrpSpPr>
-        <p:grpSpPr>
-          <a:xfrm>
-            <a:off x="1841535" y="3989235"/>
-            <a:ext cx="843427" cy="443226"/>
-            <a:chOff x="666810" y="2586037"/>
-            <a:chExt cx="468000" cy="245937"/>
-          </a:xfrm>
-        </p:grpSpPr>
-        <p:sp>
-          <p:nvSpPr>
-            <p:cNvPr id="42" name="Freeform 10">
-              <a:extLst>
-                <a:ext uri="{FF2B5EF4-FFF2-40B4-BE49-F238E27FC236}">
-                  <a16:creationId xmlns:a16="http://schemas.microsoft.com/office/drawing/2014/main" id="{FDB44254-A48C-480D-A4AC-642482B74B80}"/>
-                </a:ext>
-              </a:extLst>
-            </p:cNvPr>
-            <p:cNvSpPr>
-              <a:spLocks/>
-            </p:cNvSpPr>
-            <p:nvPr userDrawn="1"/>
-          </p:nvSpPr>
-          <p:spPr bwMode="auto">
-            <a:xfrm>
-              <a:off x="666810" y="2621442"/>
-              <a:ext cx="468000" cy="190800"/>
-            </a:xfrm>
-            <a:custGeom>
-              <a:avLst/>
-              <a:gdLst>
-                <a:gd name="T0" fmla="*/ 3120 w 3800"/>
-                <a:gd name="T1" fmla="*/ 0 h 1532"/>
-                <a:gd name="T2" fmla="*/ 682 w 3800"/>
-                <a:gd name="T3" fmla="*/ 0 h 1532"/>
-                <a:gd name="T4" fmla="*/ 682 w 3800"/>
-                <a:gd name="T5" fmla="*/ 284 h 1532"/>
-                <a:gd name="T6" fmla="*/ 0 w 3800"/>
-                <a:gd name="T7" fmla="*/ 766 h 1532"/>
-                <a:gd name="T8" fmla="*/ 682 w 3800"/>
-                <a:gd name="T9" fmla="*/ 1248 h 1532"/>
-                <a:gd name="T10" fmla="*/ 682 w 3800"/>
-                <a:gd name="T11" fmla="*/ 1532 h 1532"/>
-                <a:gd name="T12" fmla="*/ 3120 w 3800"/>
-                <a:gd name="T13" fmla="*/ 1532 h 1532"/>
-                <a:gd name="T14" fmla="*/ 3120 w 3800"/>
-                <a:gd name="T15" fmla="*/ 1248 h 1532"/>
-                <a:gd name="T16" fmla="*/ 3800 w 3800"/>
-                <a:gd name="T17" fmla="*/ 766 h 1532"/>
-                <a:gd name="T18" fmla="*/ 3120 w 3800"/>
-                <a:gd name="T19" fmla="*/ 284 h 1532"/>
-                <a:gd name="T20" fmla="*/ 3120 w 3800"/>
-                <a:gd name="T21" fmla="*/ 0 h 1532"/>
-              </a:gdLst>
-              <a:ahLst/>
-              <a:cxnLst>
-                <a:cxn ang="0">
-                  <a:pos x="T0" y="T1"/>
-                </a:cxn>
-                <a:cxn ang="0">
-                  <a:pos x="T2" y="T3"/>
-                </a:cxn>
-                <a:cxn ang="0">
-                  <a:pos x="T4" y="T5"/>
-                </a:cxn>
-                <a:cxn ang="0">
-                  <a:pos x="T6" y="T7"/>
-                </a:cxn>
-                <a:cxn ang="0">
-                  <a:pos x="T8" y="T9"/>
-                </a:cxn>
-                <a:cxn ang="0">
-                  <a:pos x="T10" y="T11"/>
-                </a:cxn>
-                <a:cxn ang="0">
-                  <a:pos x="T12" y="T13"/>
-                </a:cxn>
-                <a:cxn ang="0">
-                  <a:pos x="T14" y="T15"/>
-                </a:cxn>
-                <a:cxn ang="0">
-                  <a:pos x="T16" y="T17"/>
-                </a:cxn>
-                <a:cxn ang="0">
-                  <a:pos x="T18" y="T19"/>
-                </a:cxn>
-                <a:cxn ang="0">
-                  <a:pos x="T20" y="T21"/>
-                </a:cxn>
-              </a:cxnLst>
-              <a:rect l="0" t="0" r="r" b="b"/>
-              <a:pathLst>
-                <a:path w="3800" h="1532">
-                  <a:moveTo>
-                    <a:pt x="3120" y="0"/>
-                  </a:moveTo>
-                  <a:lnTo>
-                    <a:pt x="682" y="0"/>
-                  </a:lnTo>
-                  <a:lnTo>
-                    <a:pt x="682" y="284"/>
-                  </a:lnTo>
-                  <a:lnTo>
-                    <a:pt x="0" y="766"/>
-                  </a:lnTo>
-                  <a:lnTo>
-                    <a:pt x="682" y="1248"/>
-                  </a:lnTo>
-                  <a:lnTo>
-                    <a:pt x="682" y="1532"/>
-                  </a:lnTo>
-                  <a:lnTo>
-                    <a:pt x="3120" y="1532"/>
-                  </a:lnTo>
-                  <a:lnTo>
-                    <a:pt x="3120" y="1248"/>
-                  </a:lnTo>
-                  <a:lnTo>
-                    <a:pt x="3800" y="766"/>
-                  </a:lnTo>
-                  <a:lnTo>
-                    <a:pt x="3120" y="284"/>
-                  </a:lnTo>
-                  <a:lnTo>
-                    <a:pt x="3120" y="0"/>
-                  </a:lnTo>
-                  <a:close/>
-                </a:path>
-              </a:pathLst>
-            </a:custGeom>
-            <a:solidFill>
-              <a:srgbClr val="004098"/>
-            </a:solidFill>
-            <a:ln>
-              <a:noFill/>
-            </a:ln>
-          </p:spPr>
-          <p:txBody>
-            <a:bodyPr vert="horz" wrap="square" lIns="91440" tIns="45720" rIns="91440" bIns="45720" numCol="1" anchor="ctr" anchorCtr="0" compatLnSpc="1">
-              <a:prstTxWarp prst="textNoShape">
-                <a:avLst/>
-              </a:prstTxWarp>
-              <a:noAutofit/>
-            </a:bodyPr>
-            <a:lstStyle/>
-            <a:p>
-              <a:pPr algn="ctr"/>
-              <a:endParaRPr lang="zh-CN" altLang="en-US" sz="3200" b="1" dirty="0"/>
-            </a:p>
-          </p:txBody>
-        </p:sp>
-        <p:sp>
-          <p:nvSpPr>
-            <p:cNvPr id="43" name="文本框 42">
-              <a:extLst>
-                <a:ext uri="{FF2B5EF4-FFF2-40B4-BE49-F238E27FC236}">
-                  <a16:creationId xmlns:a16="http://schemas.microsoft.com/office/drawing/2014/main" id="{D0A8A38F-20D7-467C-A58A-D5E9653E8AC7}"/>
-                </a:ext>
-              </a:extLst>
-            </p:cNvPr>
-            <p:cNvSpPr txBox="1"/>
-            <p:nvPr userDrawn="1"/>
-          </p:nvSpPr>
-          <p:spPr>
-            <a:xfrm>
-              <a:off x="794494" y="2586037"/>
-              <a:ext cx="212633" cy="245937"/>
-            </a:xfrm>
-            <a:prstGeom prst="rect">
-              <a:avLst/>
-            </a:prstGeom>
-            <a:noFill/>
-          </p:spPr>
-          <p:txBody>
-            <a:bodyPr wrap="none" rtlCol="0" anchor="ctr">
-              <a:noAutofit/>
-            </a:bodyPr>
-            <a:lstStyle/>
-            <a:p>
-              <a:pPr algn="ctr"/>
-              <a:r>
-                <a:rPr lang="en-US" altLang="zh-CN" b="1" dirty="0">
-                  <a:solidFill>
-                    <a:schemeClr val="bg1"/>
-                  </a:solidFill>
-                  <a:latin typeface="微软雅黑" panose="020B0503020204020204" pitchFamily="34" charset="-122"/>
-                  <a:ea typeface="微软雅黑" panose="020B0503020204020204" pitchFamily="34" charset="-122"/>
-                </a:rPr>
-                <a:t>3</a:t>
-              </a:r>
-              <a:endParaRPr lang="zh-CN" altLang="en-US" b="1" dirty="0">
-                <a:solidFill>
-                  <a:schemeClr val="bg1"/>
-                </a:solidFill>
-                <a:latin typeface="微软雅黑" panose="020B0503020204020204" pitchFamily="34" charset="-122"/>
-                <a:ea typeface="微软雅黑" panose="020B0503020204020204" pitchFamily="34" charset="-122"/>
-              </a:endParaRPr>
-            </a:p>
-          </p:txBody>
-        </p:sp>
-      </p:grpSp>
-      <p:cxnSp>
-        <p:nvCxnSpPr>
-          <p:cNvPr id="44" name="直接连接符 43">
-            <a:extLst>
-              <a:ext uri="{FF2B5EF4-FFF2-40B4-BE49-F238E27FC236}">
-                <a16:creationId xmlns:a16="http://schemas.microsoft.com/office/drawing/2014/main" id="{36BD1FD9-5E89-4B0B-9FB5-2BE069F1FAF4}"/>
-              </a:ext>
-            </a:extLst>
-          </p:cNvPr>
-          <p:cNvCxnSpPr>
-            <a:stCxn id="42" idx="6"/>
-          </p:cNvCxnSpPr>
-          <p:nvPr/>
-        </p:nvCxnSpPr>
-        <p:spPr>
-          <a:xfrm>
-            <a:off x="2534033" y="4396900"/>
-            <a:ext cx="4500000" cy="0"/>
-          </a:xfrm>
-          <a:prstGeom prst="line">
-            <a:avLst/>
-          </a:prstGeom>
-          <a:ln>
-            <a:solidFill>
-              <a:srgbClr val="004098"/>
-            </a:solidFill>
-          </a:ln>
-        </p:spPr>
-        <p:style>
-          <a:lnRef idx="1">
-            <a:schemeClr val="accent1"/>
-          </a:lnRef>
-          <a:fillRef idx="0">
-            <a:schemeClr val="accent1"/>
-          </a:fillRef>
-          <a:effectRef idx="0">
-            <a:schemeClr val="accent1"/>
-          </a:effectRef>
-          <a:fontRef idx="minor">
-            <a:schemeClr val="tx1"/>
-          </a:fontRef>
-        </p:style>
-      </p:cxnSp>
-      <p:sp>
-        <p:nvSpPr>
-          <p:cNvPr id="45" name="文本框 44">
-            <a:extLst>
-              <a:ext uri="{FF2B5EF4-FFF2-40B4-BE49-F238E27FC236}">
-                <a16:creationId xmlns:a16="http://schemas.microsoft.com/office/drawing/2014/main" id="{C535113B-0479-4DBB-ABCC-FE22F8FF7799}"/>
-              </a:ext>
-            </a:extLst>
-          </p:cNvPr>
-          <p:cNvSpPr txBox="1"/>
-          <p:nvPr/>
-        </p:nvSpPr>
-        <p:spPr>
-          <a:xfrm>
-            <a:off x="2915073" y="3960419"/>
-            <a:ext cx="4387392" cy="461665"/>
-          </a:xfrm>
-          <a:prstGeom prst="rect">
-            <a:avLst/>
-          </a:prstGeom>
-          <a:noFill/>
-        </p:spPr>
-        <p:txBody>
-          <a:bodyPr wrap="square" rtlCol="0">
-            <a:spAutoFit/>
-          </a:bodyPr>
-          <a:lstStyle/>
-          <a:p>
-            <a:r>
-              <a:rPr lang="zh-CN" altLang="en-US" sz="2400" dirty="0"/>
-              <a:t>结果分析</a:t>
-            </a:r>
-          </a:p>
-        </p:txBody>
-      </p:sp>
+        </p:spPr>
+      </p:pic>
     </p:spTree>
     <p:extLst>
       <p:ext uri="{BB962C8B-B14F-4D97-AF65-F5344CB8AC3E}">
-        <p14:creationId xmlns:p14="http://schemas.microsoft.com/office/powerpoint/2010/main" val="2763691854"/>
+        <p14:creationId xmlns:p14="http://schemas.microsoft.com/office/powerpoint/2010/main" xmlns="" val="2176958427"/>
       </p:ext>
     </p:extLst>
   </p:cSld>
   <p:clrMapOvr>
     <a:masterClrMapping/>
   </p:clrMapOvr>
-  <mc:AlternateContent xmlns:mc="http://schemas.openxmlformats.org/markup-compatibility/2006" xmlns:p14="http://schemas.microsoft.com/office/powerpoint/2010/main">
-    <mc:Choice Requires="p14">
-      <p:transition p14:dur="10"/>
-    </mc:Choice>
-    <mc:Fallback xmlns="">
-      <p:transition/>
-    </mc:Fallback>
-  </mc:AlternateContent>
 </p:sld>
 </file>
 
@@ -11535,39 +12103,130 @@
           </a:xfrm>
         </p:spPr>
         <p:txBody>
-          <a:bodyPr/>
+          <a:bodyPr>
+            <a:normAutofit fontScale="62500" lnSpcReduction="20000"/>
+          </a:bodyPr>
           <a:lstStyle/>
           <a:p>
-            <a:pPr>
-              <a:lnSpc>
-                <a:spcPct val="150000"/>
-              </a:lnSpc>
-            </a:pPr>
-            <a:r>
-              <a:rPr lang="zh-CN" altLang="en-US" dirty="0"/>
-              <a:t>检测的十张图片全部都能正确检测出图片的形态信息，并且能够根据检测结果得出图像中心点坐标。</a:t>
-            </a:r>
-            <a:endParaRPr lang="en-US" altLang="zh-CN" dirty="0"/>
-          </a:p>
-          <a:p>
-            <a:pPr>
-              <a:lnSpc>
-                <a:spcPct val="150000"/>
-              </a:lnSpc>
-            </a:pPr>
-            <a:endParaRPr lang="en-US" altLang="zh-CN" dirty="0"/>
-          </a:p>
-          <a:p>
-            <a:pPr>
-              <a:lnSpc>
-                <a:spcPct val="150000"/>
-              </a:lnSpc>
-            </a:pPr>
-            <a:r>
-              <a:rPr lang="zh-CN" altLang="en-US" dirty="0"/>
-              <a:t>能够根据颜色识别侧面的瓶盖信息</a:t>
-            </a:r>
-            <a:endParaRPr lang="en-US" altLang="zh-CN" dirty="0"/>
+            <a:pPr lvl="1"/>
+            <a:r>
+              <a:rPr lang="zh-CN" altLang="zh-CN" sz="2100" dirty="0" smtClean="0"/>
+              <a:t>正反面检测使用模板匹配算法：</a:t>
+            </a:r>
+          </a:p>
+          <a:p>
+            <a:pPr lvl="2"/>
+            <a:r>
+              <a:rPr lang="zh-CN" altLang="zh-CN" sz="2100" dirty="0" smtClean="0"/>
+              <a:t>首先将图片的模板都提取出来</a:t>
+            </a:r>
+          </a:p>
+          <a:p>
+            <a:pPr lvl="2"/>
+            <a:r>
+              <a:rPr lang="zh-CN" altLang="zh-CN" sz="2100" dirty="0" smtClean="0"/>
+              <a:t>取少量正面（反面）</a:t>
+            </a:r>
+            <a:r>
+              <a:rPr lang="en-US" altLang="zh-CN" sz="2100" dirty="0" smtClean="0"/>
+              <a:t>Mask</a:t>
+            </a:r>
+            <a:r>
+              <a:rPr lang="zh-CN" altLang="zh-CN" sz="2100" dirty="0" smtClean="0"/>
+              <a:t>模板，大量反面（正面）检测模板</a:t>
+            </a:r>
+          </a:p>
+          <a:p>
+            <a:pPr lvl="2"/>
+            <a:r>
+              <a:rPr lang="zh-CN" altLang="zh-CN" sz="2100" dirty="0" smtClean="0"/>
+              <a:t>用</a:t>
+            </a:r>
+            <a:r>
+              <a:rPr lang="en-US" altLang="zh-CN" sz="2100" dirty="0" err="1" smtClean="0"/>
+              <a:t>opencv</a:t>
+            </a:r>
+            <a:r>
+              <a:rPr lang="zh-CN" altLang="zh-CN" sz="2100" dirty="0" smtClean="0"/>
+              <a:t>的</a:t>
+            </a:r>
+            <a:r>
+              <a:rPr lang="en-US" altLang="zh-CN" sz="2100" dirty="0" err="1" smtClean="0"/>
+              <a:t>matchTemplate</a:t>
+            </a:r>
+            <a:r>
+              <a:rPr lang="zh-CN" altLang="zh-CN" sz="2100" dirty="0" smtClean="0"/>
+              <a:t>函数，用</a:t>
+            </a:r>
+            <a:r>
+              <a:rPr lang="en-US" altLang="zh-CN" sz="2100" dirty="0" smtClean="0"/>
+              <a:t>TM_CCORR_NORMED</a:t>
+            </a:r>
+            <a:r>
+              <a:rPr lang="zh-CN" altLang="zh-CN" sz="2100" dirty="0" smtClean="0"/>
+              <a:t>方法将其模板匹配，生成多个匹配度矩阵</a:t>
+            </a:r>
+          </a:p>
+          <a:p>
+            <a:pPr lvl="2"/>
+            <a:r>
+              <a:rPr lang="zh-CN" altLang="zh-CN" sz="2100" dirty="0" smtClean="0"/>
+              <a:t>比较</a:t>
+            </a:r>
+            <a:r>
+              <a:rPr lang="en-US" altLang="zh-CN" sz="2100" dirty="0" smtClean="0"/>
+              <a:t>mask</a:t>
+            </a:r>
+            <a:r>
+              <a:rPr lang="zh-CN" altLang="zh-CN" sz="2100" dirty="0" smtClean="0"/>
+              <a:t>和匹配度矩阵，选取最大值生成</a:t>
+            </a:r>
+            <a:r>
+              <a:rPr lang="en-US" altLang="zh-CN" sz="2100" dirty="0" smtClean="0"/>
+              <a:t>mask</a:t>
+            </a:r>
+            <a:r>
+              <a:rPr lang="zh-CN" altLang="zh-CN" sz="2100" dirty="0" smtClean="0"/>
+              <a:t>矩阵和匹配度矩阵</a:t>
+            </a:r>
+          </a:p>
+          <a:p>
+            <a:pPr lvl="2"/>
+            <a:r>
+              <a:rPr lang="zh-CN" altLang="zh-CN" sz="2100" dirty="0" smtClean="0"/>
+              <a:t>将和</a:t>
+            </a:r>
+            <a:r>
+              <a:rPr lang="en-US" altLang="zh-CN" sz="2100" dirty="0" smtClean="0"/>
+              <a:t>mask</a:t>
+            </a:r>
+            <a:r>
+              <a:rPr lang="zh-CN" altLang="zh-CN" sz="2100" dirty="0" smtClean="0"/>
+              <a:t>矩阵数值近似的点归</a:t>
+            </a:r>
+            <a:r>
+              <a:rPr lang="en-US" altLang="zh-CN" sz="2100" dirty="0" smtClean="0"/>
+              <a:t>0</a:t>
+            </a:r>
+            <a:r>
+              <a:rPr lang="zh-CN" altLang="zh-CN" sz="2100" dirty="0" smtClean="0"/>
+              <a:t>，留下大于阈值的像素点</a:t>
+            </a:r>
+          </a:p>
+          <a:p>
+            <a:pPr lvl="2"/>
+            <a:r>
+              <a:rPr lang="zh-CN" altLang="zh-CN" sz="2100" dirty="0" smtClean="0"/>
+              <a:t>用检测最优点函数，将最优点提取出来，将其周围点归</a:t>
+            </a:r>
+            <a:r>
+              <a:rPr lang="en-US" altLang="zh-CN" sz="2100" dirty="0" smtClean="0"/>
+              <a:t>0</a:t>
+            </a:r>
+            <a:r>
+              <a:rPr lang="zh-CN" altLang="zh-CN" sz="2100" dirty="0" smtClean="0"/>
+              <a:t>，再寻找下一个最优点，直至将所有待提取瓶盖选中</a:t>
+            </a:r>
           </a:p>
           <a:p>
             <a:pPr>
@@ -11603,46 +12262,50 @@
           <a:lstStyle/>
           <a:p>
             <a:r>
-              <a:rPr lang="zh-CN" altLang="en-US" dirty="0"/>
-              <a:t>结果分析</a:t>
-            </a:r>
+              <a:rPr lang="zh-CN" altLang="en-US" dirty="0" smtClean="0"/>
+              <a:t>算法分析</a:t>
+            </a:r>
+            <a:endParaRPr lang="zh-CN" altLang="en-US" dirty="0"/>
           </a:p>
         </p:txBody>
       </p:sp>
       <p:pic>
         <p:nvPicPr>
-          <p:cNvPr id="2" name="图片 1">
-            <a:extLst>
-              <a:ext uri="{FF2B5EF4-FFF2-40B4-BE49-F238E27FC236}">
-                <a16:creationId xmlns:a16="http://schemas.microsoft.com/office/drawing/2014/main" id="{3502DC42-81FE-4349-9DDF-85A0A5763956}"/>
-              </a:ext>
-            </a:extLst>
-          </p:cNvPr>
-          <p:cNvPicPr>
-            <a:picLocks noChangeAspect="1"/>
-          </p:cNvPicPr>
+          <p:cNvPr id="7" name="图片 6"/>
+          <p:cNvPicPr/>
           <p:nvPr/>
         </p:nvPicPr>
         <p:blipFill>
-          <a:blip r:embed="rId2"/>
+          <a:blip r:embed="rId2" cstate="print">
+            <a:extLst>
+              <a:ext uri="{28A0092B-C50C-407E-A947-70E740481C1C}">
+                <a14:useLocalDpi xmlns:ve="http://schemas.openxmlformats.org/markup-compatibility/2006" xmlns:m="http://schemas.openxmlformats.org/officeDocument/2006/math" xmlns:wp="http://schemas.openxmlformats.org/drawingml/2006/wordprocessingDrawing" xmlns:wne="http://schemas.microsoft.com/office/word/2006/wordml" xmlns:a14="http://schemas.microsoft.com/office/drawing/2010/main" xmlns:wps="http://schemas.microsoft.com/office/word/2010/wordprocessingShape" xmlns:wpi="http://schemas.microsoft.com/office/word/2010/wordprocessingInk" xmlns:wpg="http://schemas.microsoft.com/office/word/2010/wordprocessingGroup" xmlns:w16se="http://schemas.microsoft.com/office/word/2015/wordml/symex" xmlns:w16cid="http://schemas.microsoft.com/office/word/2016/wordml/cid" xmlns:w15="http://schemas.microsoft.com/office/word/2012/wordml" xmlns:w14="http://schemas.microsoft.com/office/word/2010/wordml" xmlns:w="http://schemas.openxmlformats.org/wordprocessingml/2006/main" xmlns:w10="urn:schemas-microsoft-com:office:word" xmlns:wp14="http://schemas.microsoft.com/office/word/2010/wordprocessingDrawing" xmlns:v="urn:schemas-microsoft-com:vml" xmlns:o="urn:schemas-microsoft-com:office:office" xmlns:am3d="http://schemas.microsoft.com/office/drawing/2017/model3d" xmlns:aink="http://schemas.microsoft.com/office/drawing/2016/ink" xmlns:mc="http://schemas.openxmlformats.org/markup-compatibility/2006" xmlns:cx8="http://schemas.microsoft.com/office/drawing/2016/5/14/chartex" xmlns:cx7="http://schemas.microsoft.com/office/drawing/2016/5/13/chartex" xmlns:cx6="http://schemas.microsoft.com/office/drawing/2016/5/12/chartex" xmlns:cx5="http://schemas.microsoft.com/office/drawing/2016/5/11/chartex" xmlns:cx4="http://schemas.microsoft.com/office/drawing/2016/5/10/chartex" xmlns:cx3="http://schemas.microsoft.com/office/drawing/2016/5/9/chartex" xmlns:cx2="http://schemas.microsoft.com/office/drawing/2015/10/21/chartex" xmlns:cx1="http://schemas.microsoft.com/office/drawing/2015/9/8/chartex" xmlns:cx="http://schemas.microsoft.com/office/drawing/2014/chartex" xmlns:wpc="http://schemas.microsoft.com/office/word/2010/wordprocessingCanvas" xmlns="" xmlns:pic="http://schemas.openxmlformats.org/drawingml/2006/picture" xmlns:lc="http://schemas.openxmlformats.org/drawingml/2006/lockedCanvas" val="0"/>
+              </a:ext>
+            </a:extLst>
+          </a:blip>
+          <a:srcRect/>
           <a:stretch>
             <a:fillRect/>
           </a:stretch>
         </p:blipFill>
-        <p:spPr>
-          <a:xfrm>
-            <a:off x="3867150" y="1548460"/>
-            <a:ext cx="5276850" cy="4419600"/>
+        <p:spPr bwMode="auto">
+          <a:xfrm>
+            <a:off x="4003339" y="1825618"/>
+            <a:ext cx="4935600" cy="4138750"/>
           </a:xfrm>
           <a:prstGeom prst="rect">
             <a:avLst/>
           </a:prstGeom>
+          <a:noFill/>
+          <a:ln>
+            <a:noFill/>
+          </a:ln>
         </p:spPr>
       </p:pic>
     </p:spTree>
     <p:extLst>
       <p:ext uri="{BB962C8B-B14F-4D97-AF65-F5344CB8AC3E}">
-        <p14:creationId xmlns:p14="http://schemas.microsoft.com/office/powerpoint/2010/main" val="2176958427"/>
+        <p14:creationId xmlns:p14="http://schemas.microsoft.com/office/powerpoint/2010/main" xmlns="" val="2176958427"/>
       </p:ext>
     </p:extLst>
   </p:cSld>
@@ -11877,7 +12540,7 @@
   <a:extraClrSchemeLst/>
   <a:extLst>
     <a:ext uri="{05A4C25C-085E-4340-85A3-A5531E510DB2}">
-      <thm15:themeFamily xmlns:thm15="http://schemas.microsoft.com/office/thememl/2012/main" name="2016-VI主题-蓝" id="{1B918C6D-2D61-4306-88BA-3CA31BAAF13F}" vid="{A734D909-B61D-48C4-8B37-4CE497344009}"/>
+      <thm15:themeFamily xmlns:thm15="http://schemas.microsoft.com/office/thememl/2012/main" xmlns="" name="2016-VI主题-蓝" id="{1B918C6D-2D61-4306-88BA-3CA31BAAF13F}" vid="{A734D909-B61D-48C4-8B37-4CE497344009}"/>
     </a:ext>
   </a:extLst>
 </a:theme>
@@ -11926,7 +12589,7 @@
     </a:clrScheme>
     <a:fontScheme name="Office">
       <a:majorFont>
-        <a:latin typeface="等线 Light" panose="020F0302020204030204"/>
+        <a:latin typeface="等线 Light"/>
         <a:ea typeface=""/>
         <a:cs typeface=""/>
         <a:font script="Jpan" typeface="游ゴシック Light"/>
@@ -11961,7 +12624,7 @@
         <a:font script="Geor" typeface="Sylfaen"/>
       </a:majorFont>
       <a:minorFont>
-        <a:latin typeface="等线" panose="020F0502020204030204"/>
+        <a:latin typeface="等线"/>
         <a:ea typeface=""/>
         <a:cs typeface=""/>
         <a:font script="Jpan" typeface="游ゴシック"/>
@@ -12138,7 +12801,7 @@
   <a:extraClrSchemeLst/>
   <a:extLst>
     <a:ext uri="{05A4C25C-085E-4340-85A3-A5531E510DB2}">
-      <thm15:themeFamily xmlns:thm15="http://schemas.microsoft.com/office/thememl/2012/main" name="Office Theme" id="{62F939B6-93AF-4DB8-9C6B-D6C7DFDC589F}" vid="{4A3C46E8-61CC-4603-A589-7422A47A8E4A}"/>
+      <thm15:themeFamily xmlns:thm15="http://schemas.microsoft.com/office/thememl/2012/main" xmlns="" name="Office Theme" id="{62F939B6-93AF-4DB8-9C6B-D6C7DFDC589F}" vid="{4A3C46E8-61CC-4603-A589-7422A47A8E4A}"/>
     </a:ext>
   </a:extLst>
 </a:theme>
@@ -12187,7 +12850,7 @@
     </a:clrScheme>
     <a:fontScheme name="Office">
       <a:majorFont>
-        <a:latin typeface="等线 Light" panose="020F0302020204030204"/>
+        <a:latin typeface="等线 Light"/>
         <a:ea typeface=""/>
         <a:cs typeface=""/>
         <a:font script="Jpan" typeface="游ゴシック Light"/>
@@ -12222,7 +12885,7 @@
         <a:font script="Geor" typeface="Sylfaen"/>
       </a:majorFont>
       <a:minorFont>
-        <a:latin typeface="等线" panose="020F0502020204030204"/>
+        <a:latin typeface="等线"/>
         <a:ea typeface=""/>
         <a:cs typeface=""/>
         <a:font script="Jpan" typeface="游ゴシック"/>
@@ -12399,7 +13062,7 @@
   <a:extraClrSchemeLst/>
   <a:extLst>
     <a:ext uri="{05A4C25C-085E-4340-85A3-A5531E510DB2}">
-      <thm15:themeFamily xmlns:thm15="http://schemas.microsoft.com/office/thememl/2012/main" name="Office Theme" id="{62F939B6-93AF-4DB8-9C6B-D6C7DFDC589F}" vid="{4A3C46E8-61CC-4603-A589-7422A47A8E4A}"/>
+      <thm15:themeFamily xmlns:thm15="http://schemas.microsoft.com/office/thememl/2012/main" xmlns="" name="Office Theme" id="{62F939B6-93AF-4DB8-9C6B-D6C7DFDC589F}" vid="{4A3C46E8-61CC-4603-A589-7422A47A8E4A}"/>
     </a:ext>
   </a:extLst>
 </a:theme>
